--- a/docs/UML.pptx
+++ b/docs/UML.pptx
@@ -10,6 +10,7 @@
     <p:sldId id="258" r:id="rId4"/>
     <p:sldId id="259" r:id="rId5"/>
     <p:sldId id="260" r:id="rId6"/>
+    <p:sldId id="261" r:id="rId7"/>
   </p:sldIdLst>
   <p:sldSz cx="12192000" cy="6858000"/>
   <p:notesSz cx="6858000" cy="9144000"/>
@@ -108,6 +109,11 @@
       </a:defRPr>
     </a:lvl9pPr>
   </p:defaultTextStyle>
+  <p:extLst>
+    <p:ext uri="{EFAFB233-063F-42B5-8137-9DF3F51BA10A}">
+      <p15:sldGuideLst xmlns:p15="http://schemas.microsoft.com/office/powerpoint/2012/main"/>
+    </p:ext>
+  </p:extLst>
 </p:presentation>
 </file>
 
@@ -5787,6 +5793,458 @@
 </p:sld>
 </file>
 
+<file path=ppt/slides/slide6.xml><?xml version="1.0" encoding="utf-8"?>
+<p:sld xmlns:a="http://schemas.openxmlformats.org/drawingml/2006/main" xmlns:r="http://schemas.openxmlformats.org/officeDocument/2006/relationships" xmlns:p="http://schemas.openxmlformats.org/presentationml/2006/main">
+  <p:cSld>
+    <p:spTree>
+      <p:nvGrpSpPr>
+        <p:cNvPr id="1" name=""/>
+        <p:cNvGrpSpPr/>
+        <p:nvPr/>
+      </p:nvGrpSpPr>
+      <p:grpSpPr>
+        <a:xfrm>
+          <a:off x="0" y="0"/>
+          <a:ext cx="0" cy="0"/>
+          <a:chOff x="0" y="0"/>
+          <a:chExt cx="0" cy="0"/>
+        </a:xfrm>
+      </p:grpSpPr>
+      <p:graphicFrame>
+        <p:nvGraphicFramePr>
+          <p:cNvPr id="2" name="表格 1">
+            <a:extLst>
+              <a:ext uri="{FF2B5EF4-FFF2-40B4-BE49-F238E27FC236}">
+                <a16:creationId xmlns:a16="http://schemas.microsoft.com/office/drawing/2014/main" id="{D7371FB4-8868-AADC-56FF-E8102FD39097}"/>
+              </a:ext>
+            </a:extLst>
+          </p:cNvPr>
+          <p:cNvGraphicFramePr>
+            <a:graphicFrameLocks noGrp="1"/>
+          </p:cNvGraphicFramePr>
+          <p:nvPr>
+            <p:extLst>
+              <p:ext uri="{D42A27DB-BD31-4B8C-83A1-F6EECF244321}">
+                <p14:modId xmlns:p14="http://schemas.microsoft.com/office/powerpoint/2010/main" val="142250541"/>
+              </p:ext>
+            </p:extLst>
+          </p:nvPr>
+        </p:nvGraphicFramePr>
+        <p:xfrm>
+          <a:off x="2032000" y="719666"/>
+          <a:ext cx="8128000" cy="3296920"/>
+        </p:xfrm>
+        <a:graphic>
+          <a:graphicData uri="http://schemas.openxmlformats.org/drawingml/2006/table">
+            <a:tbl>
+              <a:tblPr firstRow="1" bandRow="1">
+                <a:tableStyleId>{5C22544A-7EE6-4342-B048-85BDC9FD1C3A}</a:tableStyleId>
+              </a:tblPr>
+              <a:tblGrid>
+                <a:gridCol w="4064000">
+                  <a:extLst>
+                    <a:ext uri="{9D8B030D-6E8A-4147-A177-3AD203B41FA5}">
+                      <a16:colId xmlns:a16="http://schemas.microsoft.com/office/drawing/2014/main" val="2117993999"/>
+                    </a:ext>
+                  </a:extLst>
+                </a:gridCol>
+                <a:gridCol w="4064000">
+                  <a:extLst>
+                    <a:ext uri="{9D8B030D-6E8A-4147-A177-3AD203B41FA5}">
+                      <a16:colId xmlns:a16="http://schemas.microsoft.com/office/drawing/2014/main" val="729529058"/>
+                    </a:ext>
+                  </a:extLst>
+                </a:gridCol>
+              </a:tblGrid>
+              <a:tr h="370840">
+                <a:tc gridSpan="2">
+                  <a:txBody>
+                    <a:bodyPr/>
+                    <a:lstStyle/>
+                    <a:p>
+                      <a:pPr algn="ctr"/>
+                      <a:r>
+                        <a:rPr lang="en-US" altLang="zh-CN" dirty="0" err="1">
+                          <a:latin typeface="Consolas" panose="020B0609020204030204" pitchFamily="49" charset="0"/>
+                          <a:ea typeface="Calibri" panose="020F0502020204030204" pitchFamily="34" charset="0"/>
+                          <a:cs typeface="Calibri" panose="020F0502020204030204" pitchFamily="34" charset="0"/>
+                        </a:rPr>
+                        <a:t>GameController</a:t>
+                      </a:r>
+                      <a:endParaRPr lang="zh-CN" altLang="en-US" dirty="0">
+                        <a:latin typeface="Consolas" panose="020B0609020204030204" pitchFamily="49" charset="0"/>
+                        <a:cs typeface="Calibri" panose="020F0502020204030204" pitchFamily="34" charset="0"/>
+                      </a:endParaRPr>
+                    </a:p>
+                  </a:txBody>
+                  <a:tcPr/>
+                </a:tc>
+                <a:tc hMerge="1">
+                  <a:txBody>
+                    <a:bodyPr/>
+                    <a:lstStyle/>
+                    <a:p>
+                      <a:endParaRPr lang="zh-CN" altLang="en-US"/>
+                    </a:p>
+                  </a:txBody>
+                  <a:tcPr/>
+                </a:tc>
+                <a:extLst>
+                  <a:ext uri="{0D108BD9-81ED-4DB2-BD59-A6C34878D82A}">
+                    <a16:rowId xmlns:a16="http://schemas.microsoft.com/office/drawing/2014/main" val="1522632371"/>
+                  </a:ext>
+                </a:extLst>
+              </a:tr>
+              <a:tr h="370840">
+                <a:tc>
+                  <a:txBody>
+                    <a:bodyPr/>
+                    <a:lstStyle/>
+                    <a:p>
+                      <a:pPr algn="ctr"/>
+                      <a:r>
+                        <a:rPr lang="en-US" altLang="zh-CN" dirty="0">
+                          <a:latin typeface="Consolas" panose="020B0609020204030204" pitchFamily="49" charset="0"/>
+                          <a:cs typeface="Calibri" panose="020F0502020204030204" pitchFamily="34" charset="0"/>
+                        </a:rPr>
+                        <a:t>+player</a:t>
+                      </a:r>
+                    </a:p>
+                    <a:p>
+                      <a:pPr algn="ctr"/>
+                      <a:r>
+                        <a:rPr lang="en-US" altLang="zh-CN" dirty="0">
+                          <a:latin typeface="Consolas" panose="020B0609020204030204" pitchFamily="49" charset="0"/>
+                          <a:cs typeface="Calibri" panose="020F0502020204030204" pitchFamily="34" charset="0"/>
+                        </a:rPr>
+                        <a:t>+view</a:t>
+                      </a:r>
+                      <a:endParaRPr lang="zh-CN" altLang="en-US" dirty="0">
+                        <a:latin typeface="Consolas" panose="020B0609020204030204" pitchFamily="49" charset="0"/>
+                        <a:cs typeface="Calibri" panose="020F0502020204030204" pitchFamily="34" charset="0"/>
+                      </a:endParaRPr>
+                    </a:p>
+                  </a:txBody>
+                  <a:tcPr/>
+                </a:tc>
+                <a:tc>
+                  <a:txBody>
+                    <a:bodyPr/>
+                    <a:lstStyle/>
+                    <a:p>
+                      <a:pPr algn="ctr"/>
+                      <a:r>
+                        <a:rPr lang="en-US" altLang="zh-CN" dirty="0">
+                          <a:latin typeface="Consolas" panose="020B0609020204030204" pitchFamily="49" charset="0"/>
+                          <a:cs typeface="Calibri" panose="020F0502020204030204" pitchFamily="34" charset="0"/>
+                        </a:rPr>
+                        <a:t>-</a:t>
+                      </a:r>
+                      <a:r>
+                        <a:rPr lang="en-US" altLang="zh-CN" dirty="0" err="1">
+                          <a:latin typeface="Consolas" panose="020B0609020204030204" pitchFamily="49" charset="0"/>
+                          <a:cs typeface="Calibri" panose="020F0502020204030204" pitchFamily="34" charset="0"/>
+                        </a:rPr>
+                        <a:t>game_running</a:t>
+                      </a:r>
+                      <a:endParaRPr lang="en-US" altLang="zh-CN" dirty="0">
+                        <a:latin typeface="Consolas" panose="020B0609020204030204" pitchFamily="49" charset="0"/>
+                        <a:cs typeface="Calibri" panose="020F0502020204030204" pitchFamily="34" charset="0"/>
+                      </a:endParaRPr>
+                    </a:p>
+                    <a:p>
+                      <a:pPr algn="ctr"/>
+                      <a:r>
+                        <a:rPr lang="en-US" altLang="zh-CN" dirty="0">
+                          <a:latin typeface="Consolas" panose="020B0609020204030204" pitchFamily="49" charset="0"/>
+                          <a:cs typeface="Calibri" panose="020F0502020204030204" pitchFamily="34" charset="0"/>
+                        </a:rPr>
+                        <a:t>-</a:t>
+                      </a:r>
+                      <a:r>
+                        <a:rPr lang="en-US" altLang="zh-CN" dirty="0" err="1">
+                          <a:latin typeface="Consolas" panose="020B0609020204030204" pitchFamily="49" charset="0"/>
+                          <a:cs typeface="Calibri" panose="020F0502020204030204" pitchFamily="34" charset="0"/>
+                        </a:rPr>
+                        <a:t>pressed_key</a:t>
+                      </a:r>
+                      <a:endParaRPr lang="en-US" altLang="zh-CN" dirty="0">
+                        <a:latin typeface="Consolas" panose="020B0609020204030204" pitchFamily="49" charset="0"/>
+                        <a:cs typeface="Calibri" panose="020F0502020204030204" pitchFamily="34" charset="0"/>
+                      </a:endParaRPr>
+                    </a:p>
+                    <a:p>
+                      <a:pPr algn="ctr"/>
+                      <a:r>
+                        <a:rPr lang="en-US" altLang="zh-CN" dirty="0">
+                          <a:latin typeface="Consolas" panose="020B0609020204030204" pitchFamily="49" charset="0"/>
+                          <a:cs typeface="Calibri" panose="020F0502020204030204" pitchFamily="34" charset="0"/>
+                        </a:rPr>
+                        <a:t>-</a:t>
+                      </a:r>
+                      <a:r>
+                        <a:rPr lang="en-US" altLang="zh-CN" dirty="0" err="1">
+                          <a:latin typeface="Consolas" panose="020B0609020204030204" pitchFamily="49" charset="0"/>
+                          <a:cs typeface="Calibri" panose="020F0502020204030204" pitchFamily="34" charset="0"/>
+                        </a:rPr>
+                        <a:t>is_holding_key</a:t>
+                      </a:r>
+                      <a:endParaRPr lang="en-US" altLang="zh-CN" dirty="0">
+                        <a:latin typeface="Consolas" panose="020B0609020204030204" pitchFamily="49" charset="0"/>
+                        <a:cs typeface="Calibri" panose="020F0502020204030204" pitchFamily="34" charset="0"/>
+                      </a:endParaRPr>
+                    </a:p>
+                    <a:p>
+                      <a:pPr algn="ctr"/>
+                      <a:r>
+                        <a:rPr lang="en-US" altLang="zh-CN" dirty="0">
+                          <a:latin typeface="Consolas" panose="020B0609020204030204" pitchFamily="49" charset="0"/>
+                          <a:cs typeface="Calibri" panose="020F0502020204030204" pitchFamily="34" charset="0"/>
+                        </a:rPr>
+                        <a:t>-</a:t>
+                      </a:r>
+                      <a:r>
+                        <a:rPr lang="en-US" altLang="zh-CN" dirty="0" err="1">
+                          <a:latin typeface="Consolas" panose="020B0609020204030204" pitchFamily="49" charset="0"/>
+                          <a:cs typeface="Calibri" panose="020F0502020204030204" pitchFamily="34" charset="0"/>
+                        </a:rPr>
+                        <a:t>key_holding_timer</a:t>
+                      </a:r>
+                      <a:endParaRPr lang="en-US" altLang="zh-CN" dirty="0">
+                        <a:latin typeface="Consolas" panose="020B0609020204030204" pitchFamily="49" charset="0"/>
+                        <a:cs typeface="Calibri" panose="020F0502020204030204" pitchFamily="34" charset="0"/>
+                      </a:endParaRPr>
+                    </a:p>
+                    <a:p>
+                      <a:pPr algn="ctr"/>
+                      <a:r>
+                        <a:rPr lang="en-US" altLang="zh-CN" dirty="0">
+                          <a:latin typeface="Consolas" panose="020B0609020204030204" pitchFamily="49" charset="0"/>
+                          <a:cs typeface="Calibri" panose="020F0502020204030204" pitchFamily="34" charset="0"/>
+                        </a:rPr>
+                        <a:t>-</a:t>
+                      </a:r>
+                      <a:r>
+                        <a:rPr lang="en-US" altLang="zh-CN" dirty="0" err="1">
+                          <a:latin typeface="Consolas" panose="020B0609020204030204" pitchFamily="49" charset="0"/>
+                          <a:cs typeface="Calibri" panose="020F0502020204030204" pitchFamily="34" charset="0"/>
+                        </a:rPr>
+                        <a:t>draw_card_timer</a:t>
+                      </a:r>
+                      <a:endParaRPr lang="zh-CN" altLang="en-US" dirty="0">
+                        <a:latin typeface="Consolas" panose="020B0609020204030204" pitchFamily="49" charset="0"/>
+                        <a:cs typeface="Calibri" panose="020F0502020204030204" pitchFamily="34" charset="0"/>
+                      </a:endParaRPr>
+                    </a:p>
+                  </a:txBody>
+                  <a:tcPr/>
+                </a:tc>
+                <a:extLst>
+                  <a:ext uri="{0D108BD9-81ED-4DB2-BD59-A6C34878D82A}">
+                    <a16:rowId xmlns:a16="http://schemas.microsoft.com/office/drawing/2014/main" val="2808945376"/>
+                  </a:ext>
+                </a:extLst>
+              </a:tr>
+              <a:tr h="370840">
+                <a:tc>
+                  <a:txBody>
+                    <a:bodyPr/>
+                    <a:lstStyle/>
+                    <a:p>
+                      <a:pPr algn="ctr"/>
+                      <a:r>
+                        <a:rPr lang="en-US" altLang="zh-CN" dirty="0">
+                          <a:latin typeface="Consolas" panose="020B0609020204030204" pitchFamily="49" charset="0"/>
+                          <a:cs typeface="Calibri" panose="020F0502020204030204" pitchFamily="34" charset="0"/>
+                        </a:rPr>
+                        <a:t>+</a:t>
+                      </a:r>
+                      <a:r>
+                        <a:rPr lang="en-US" altLang="zh-CN" dirty="0" err="1">
+                          <a:latin typeface="Consolas" panose="020B0609020204030204" pitchFamily="49" charset="0"/>
+                          <a:cs typeface="Calibri" panose="020F0502020204030204" pitchFamily="34" charset="0"/>
+                        </a:rPr>
+                        <a:t>initialize_game</a:t>
+                      </a:r>
+                      <a:r>
+                        <a:rPr lang="en-US" altLang="zh-CN" dirty="0">
+                          <a:latin typeface="Consolas" panose="020B0609020204030204" pitchFamily="49" charset="0"/>
+                          <a:cs typeface="Calibri" panose="020F0502020204030204" pitchFamily="34" charset="0"/>
+                        </a:rPr>
+                        <a:t>()</a:t>
+                      </a:r>
+                    </a:p>
+                    <a:p>
+                      <a:pPr algn="ctr"/>
+                      <a:r>
+                        <a:rPr lang="en-US" altLang="zh-CN" dirty="0">
+                          <a:latin typeface="Consolas" panose="020B0609020204030204" pitchFamily="49" charset="0"/>
+                          <a:cs typeface="Calibri" panose="020F0502020204030204" pitchFamily="34" charset="0"/>
+                        </a:rPr>
+                        <a:t>+</a:t>
+                      </a:r>
+                      <a:r>
+                        <a:rPr lang="en-US" altLang="zh-CN" dirty="0" err="1">
+                          <a:latin typeface="Consolas" panose="020B0609020204030204" pitchFamily="49" charset="0"/>
+                          <a:cs typeface="Calibri" panose="020F0502020204030204" pitchFamily="34" charset="0"/>
+                        </a:rPr>
+                        <a:t>start_game</a:t>
+                      </a:r>
+                      <a:r>
+                        <a:rPr lang="en-US" altLang="zh-CN" dirty="0">
+                          <a:latin typeface="Consolas" panose="020B0609020204030204" pitchFamily="49" charset="0"/>
+                          <a:cs typeface="Calibri" panose="020F0502020204030204" pitchFamily="34" charset="0"/>
+                        </a:rPr>
+                        <a:t>() -&gt; bool</a:t>
+                      </a:r>
+                      <a:endParaRPr lang="zh-CN" altLang="en-US" dirty="0">
+                        <a:latin typeface="Consolas" panose="020B0609020204030204" pitchFamily="49" charset="0"/>
+                        <a:cs typeface="Calibri" panose="020F0502020204030204" pitchFamily="34" charset="0"/>
+                      </a:endParaRPr>
+                    </a:p>
+                  </a:txBody>
+                  <a:tcPr/>
+                </a:tc>
+                <a:tc>
+                  <a:txBody>
+                    <a:bodyPr/>
+                    <a:lstStyle/>
+                    <a:p>
+                      <a:pPr algn="ctr"/>
+                      <a:r>
+                        <a:rPr lang="en-US" altLang="zh-CN" dirty="0">
+                          <a:latin typeface="Consolas" panose="020B0609020204030204" pitchFamily="49" charset="0"/>
+                          <a:cs typeface="Calibri" panose="020F0502020204030204" pitchFamily="34" charset="0"/>
+                        </a:rPr>
+                        <a:t>-cheat()</a:t>
+                      </a:r>
+                    </a:p>
+                    <a:p>
+                      <a:pPr algn="ctr"/>
+                      <a:r>
+                        <a:rPr lang="en-US" altLang="zh-CN" dirty="0">
+                          <a:latin typeface="Consolas" panose="020B0609020204030204" pitchFamily="49" charset="0"/>
+                          <a:cs typeface="Calibri" panose="020F0502020204030204" pitchFamily="34" charset="0"/>
+                        </a:rPr>
+                        <a:t>-</a:t>
+                      </a:r>
+                      <a:r>
+                        <a:rPr lang="en-US" altLang="zh-CN" dirty="0" err="1">
+                          <a:latin typeface="Consolas" panose="020B0609020204030204" pitchFamily="49" charset="0"/>
+                          <a:cs typeface="Calibri" panose="020F0502020204030204" pitchFamily="34" charset="0"/>
+                        </a:rPr>
+                        <a:t>draw_card</a:t>
+                      </a:r>
+                      <a:r>
+                        <a:rPr lang="en-US" altLang="zh-CN" dirty="0">
+                          <a:latin typeface="Consolas" panose="020B0609020204030204" pitchFamily="49" charset="0"/>
+                          <a:cs typeface="Calibri" panose="020F0502020204030204" pitchFamily="34" charset="0"/>
+                        </a:rPr>
+                        <a:t>()</a:t>
+                      </a:r>
+                    </a:p>
+                    <a:p>
+                      <a:pPr algn="ctr"/>
+                      <a:r>
+                        <a:rPr lang="en-US" altLang="zh-CN" dirty="0">
+                          <a:latin typeface="Consolas" panose="020B0609020204030204" pitchFamily="49" charset="0"/>
+                          <a:cs typeface="Calibri" panose="020F0502020204030204" pitchFamily="34" charset="0"/>
+                        </a:rPr>
+                        <a:t>-</a:t>
+                      </a:r>
+                      <a:r>
+                        <a:rPr lang="en-US" altLang="zh-CN" dirty="0" err="1">
+                          <a:latin typeface="Consolas" panose="020B0609020204030204" pitchFamily="49" charset="0"/>
+                          <a:cs typeface="Calibri" panose="020F0502020204030204" pitchFamily="34" charset="0"/>
+                        </a:rPr>
+                        <a:t>end_today</a:t>
+                      </a:r>
+                      <a:r>
+                        <a:rPr lang="en-US" altLang="zh-CN" dirty="0">
+                          <a:latin typeface="Consolas" panose="020B0609020204030204" pitchFamily="49" charset="0"/>
+                          <a:cs typeface="Calibri" panose="020F0502020204030204" pitchFamily="34" charset="0"/>
+                        </a:rPr>
+                        <a:t>()</a:t>
+                      </a:r>
+                    </a:p>
+                    <a:p>
+                      <a:pPr algn="ctr"/>
+                      <a:r>
+                        <a:rPr lang="en-US" altLang="zh-CN" dirty="0">
+                          <a:latin typeface="Consolas" panose="020B0609020204030204" pitchFamily="49" charset="0"/>
+                          <a:cs typeface="Calibri" panose="020F0502020204030204" pitchFamily="34" charset="0"/>
+                        </a:rPr>
+                        <a:t>-</a:t>
+                      </a:r>
+                      <a:r>
+                        <a:rPr lang="en-US" altLang="zh-CN" dirty="0" err="1">
+                          <a:latin typeface="Consolas" panose="020B0609020204030204" pitchFamily="49" charset="0"/>
+                          <a:cs typeface="Calibri" panose="020F0502020204030204" pitchFamily="34" charset="0"/>
+                        </a:rPr>
+                        <a:t>eat_food</a:t>
+                      </a:r>
+                      <a:r>
+                        <a:rPr lang="en-US" altLang="zh-CN" dirty="0">
+                          <a:latin typeface="Consolas" panose="020B0609020204030204" pitchFamily="49" charset="0"/>
+                          <a:cs typeface="Calibri" panose="020F0502020204030204" pitchFamily="34" charset="0"/>
+                        </a:rPr>
+                        <a:t>()</a:t>
+                      </a:r>
+                    </a:p>
+                    <a:p>
+                      <a:pPr algn="ctr"/>
+                      <a:r>
+                        <a:rPr lang="en-US" altLang="zh-CN" dirty="0">
+                          <a:latin typeface="Consolas" panose="020B0609020204030204" pitchFamily="49" charset="0"/>
+                          <a:cs typeface="Calibri" panose="020F0502020204030204" pitchFamily="34" charset="0"/>
+                        </a:rPr>
+                        <a:t>-</a:t>
+                      </a:r>
+                      <a:r>
+                        <a:rPr lang="en-US" altLang="zh-CN" dirty="0" err="1">
+                          <a:latin typeface="Consolas" panose="020B0609020204030204" pitchFamily="49" charset="0"/>
+                          <a:cs typeface="Calibri" panose="020F0502020204030204" pitchFamily="34" charset="0"/>
+                        </a:rPr>
+                        <a:t>drink_water</a:t>
+                      </a:r>
+                      <a:r>
+                        <a:rPr lang="en-US" altLang="zh-CN" dirty="0">
+                          <a:latin typeface="Consolas" panose="020B0609020204030204" pitchFamily="49" charset="0"/>
+                          <a:cs typeface="Calibri" panose="020F0502020204030204" pitchFamily="34" charset="0"/>
+                        </a:rPr>
+                        <a:t>()</a:t>
+                      </a:r>
+                      <a:endParaRPr lang="zh-CN" altLang="en-US" dirty="0">
+                        <a:latin typeface="Consolas" panose="020B0609020204030204" pitchFamily="49" charset="0"/>
+                        <a:cs typeface="Calibri" panose="020F0502020204030204" pitchFamily="34" charset="0"/>
+                      </a:endParaRPr>
+                    </a:p>
+                  </a:txBody>
+                  <a:tcPr/>
+                </a:tc>
+                <a:extLst>
+                  <a:ext uri="{0D108BD9-81ED-4DB2-BD59-A6C34878D82A}">
+                    <a16:rowId xmlns:a16="http://schemas.microsoft.com/office/drawing/2014/main" val="4234149837"/>
+                  </a:ext>
+                </a:extLst>
+              </a:tr>
+            </a:tbl>
+          </a:graphicData>
+        </a:graphic>
+      </p:graphicFrame>
+    </p:spTree>
+    <p:extLst>
+      <p:ext uri="{BB962C8B-B14F-4D97-AF65-F5344CB8AC3E}">
+        <p14:creationId xmlns:p14="http://schemas.microsoft.com/office/powerpoint/2010/main" val="1880760567"/>
+      </p:ext>
+    </p:extLst>
+  </p:cSld>
+  <p:clrMapOvr>
+    <a:masterClrMapping/>
+  </p:clrMapOvr>
+</p:sld>
+</file>
+
 <file path=ppt/theme/theme1.xml><?xml version="1.0" encoding="utf-8"?>
 <a:theme xmlns:a="http://schemas.openxmlformats.org/drawingml/2006/main" name="Office 主题​​">
   <a:themeElements>

--- a/docs/UML.pptx
+++ b/docs/UML.pptx
@@ -264,7 +264,7 @@
           <a:p>
             <a:fld id="{C01FBE2F-93BB-4483-8386-07C6243C285B}" type="datetimeFigureOut">
               <a:rPr lang="zh-CN" altLang="en-US" smtClean="0"/>
-              <a:t>2024/7/16</a:t>
+              <a:t>2024/7/17</a:t>
             </a:fld>
             <a:endParaRPr lang="zh-CN" altLang="en-US"/>
           </a:p>
@@ -462,7 +462,7 @@
           <a:p>
             <a:fld id="{C01FBE2F-93BB-4483-8386-07C6243C285B}" type="datetimeFigureOut">
               <a:rPr lang="zh-CN" altLang="en-US" smtClean="0"/>
-              <a:t>2024/7/16</a:t>
+              <a:t>2024/7/17</a:t>
             </a:fld>
             <a:endParaRPr lang="zh-CN" altLang="en-US"/>
           </a:p>
@@ -670,7 +670,7 @@
           <a:p>
             <a:fld id="{C01FBE2F-93BB-4483-8386-07C6243C285B}" type="datetimeFigureOut">
               <a:rPr lang="zh-CN" altLang="en-US" smtClean="0"/>
-              <a:t>2024/7/16</a:t>
+              <a:t>2024/7/17</a:t>
             </a:fld>
             <a:endParaRPr lang="zh-CN" altLang="en-US"/>
           </a:p>
@@ -868,7 +868,7 @@
           <a:p>
             <a:fld id="{C01FBE2F-93BB-4483-8386-07C6243C285B}" type="datetimeFigureOut">
               <a:rPr lang="zh-CN" altLang="en-US" smtClean="0"/>
-              <a:t>2024/7/16</a:t>
+              <a:t>2024/7/17</a:t>
             </a:fld>
             <a:endParaRPr lang="zh-CN" altLang="en-US"/>
           </a:p>
@@ -1143,7 +1143,7 @@
           <a:p>
             <a:fld id="{C01FBE2F-93BB-4483-8386-07C6243C285B}" type="datetimeFigureOut">
               <a:rPr lang="zh-CN" altLang="en-US" smtClean="0"/>
-              <a:t>2024/7/16</a:t>
+              <a:t>2024/7/17</a:t>
             </a:fld>
             <a:endParaRPr lang="zh-CN" altLang="en-US"/>
           </a:p>
@@ -1408,7 +1408,7 @@
           <a:p>
             <a:fld id="{C01FBE2F-93BB-4483-8386-07C6243C285B}" type="datetimeFigureOut">
               <a:rPr lang="zh-CN" altLang="en-US" smtClean="0"/>
-              <a:t>2024/7/16</a:t>
+              <a:t>2024/7/17</a:t>
             </a:fld>
             <a:endParaRPr lang="zh-CN" altLang="en-US"/>
           </a:p>
@@ -1820,7 +1820,7 @@
           <a:p>
             <a:fld id="{C01FBE2F-93BB-4483-8386-07C6243C285B}" type="datetimeFigureOut">
               <a:rPr lang="zh-CN" altLang="en-US" smtClean="0"/>
-              <a:t>2024/7/16</a:t>
+              <a:t>2024/7/17</a:t>
             </a:fld>
             <a:endParaRPr lang="zh-CN" altLang="en-US"/>
           </a:p>
@@ -1961,7 +1961,7 @@
           <a:p>
             <a:fld id="{C01FBE2F-93BB-4483-8386-07C6243C285B}" type="datetimeFigureOut">
               <a:rPr lang="zh-CN" altLang="en-US" smtClean="0"/>
-              <a:t>2024/7/16</a:t>
+              <a:t>2024/7/17</a:t>
             </a:fld>
             <a:endParaRPr lang="zh-CN" altLang="en-US"/>
           </a:p>
@@ -2074,7 +2074,7 @@
           <a:p>
             <a:fld id="{C01FBE2F-93BB-4483-8386-07C6243C285B}" type="datetimeFigureOut">
               <a:rPr lang="zh-CN" altLang="en-US" smtClean="0"/>
-              <a:t>2024/7/16</a:t>
+              <a:t>2024/7/17</a:t>
             </a:fld>
             <a:endParaRPr lang="zh-CN" altLang="en-US"/>
           </a:p>
@@ -2385,7 +2385,7 @@
           <a:p>
             <a:fld id="{C01FBE2F-93BB-4483-8386-07C6243C285B}" type="datetimeFigureOut">
               <a:rPr lang="zh-CN" altLang="en-US" smtClean="0"/>
-              <a:t>2024/7/16</a:t>
+              <a:t>2024/7/17</a:t>
             </a:fld>
             <a:endParaRPr lang="zh-CN" altLang="en-US"/>
           </a:p>
@@ -2673,7 +2673,7 @@
           <a:p>
             <a:fld id="{C01FBE2F-93BB-4483-8386-07C6243C285B}" type="datetimeFigureOut">
               <a:rPr lang="zh-CN" altLang="en-US" smtClean="0"/>
-              <a:t>2024/7/16</a:t>
+              <a:t>2024/7/17</a:t>
             </a:fld>
             <a:endParaRPr lang="zh-CN" altLang="en-US"/>
           </a:p>
@@ -2914,7 +2914,7 @@
           <a:p>
             <a:fld id="{C01FBE2F-93BB-4483-8386-07C6243C285B}" type="datetimeFigureOut">
               <a:rPr lang="zh-CN" altLang="en-US" smtClean="0"/>
-              <a:t>2024/7/16</a:t>
+              <a:t>2024/7/17</a:t>
             </a:fld>
             <a:endParaRPr lang="zh-CN" altLang="en-US"/>
           </a:p>
@@ -4240,14 +4240,14 @@
           <p:nvPr>
             <p:extLst>
               <p:ext uri="{D42A27DB-BD31-4B8C-83A1-F6EECF244321}">
-                <p14:modId xmlns:p14="http://schemas.microsoft.com/office/powerpoint/2010/main" val="1074684070"/>
+                <p14:modId xmlns:p14="http://schemas.microsoft.com/office/powerpoint/2010/main" val="4174760828"/>
               </p:ext>
             </p:extLst>
           </p:nvPr>
         </p:nvGraphicFramePr>
         <p:xfrm>
           <a:off x="253041" y="327565"/>
-          <a:ext cx="5727942" cy="2473960"/>
+          <a:ext cx="5727942" cy="2199640"/>
         </p:xfrm>
         <a:graphic>
           <a:graphicData uri="http://schemas.openxmlformats.org/drawingml/2006/table">
@@ -4377,48 +4377,6 @@
                         <a:t>-mode</a:t>
                       </a:r>
                     </a:p>
-                    <a:p>
-                      <a:pPr algn="l"/>
-                      <a:r>
-                        <a:rPr lang="en-US" altLang="zh-CN" dirty="0">
-                          <a:latin typeface="Consolas" panose="020B0609020204030204" pitchFamily="49" charset="0"/>
-                          <a:cs typeface="Calibri" panose="020F0502020204030204" pitchFamily="34" charset="0"/>
-                        </a:rPr>
-                        <a:t>-</a:t>
-                      </a:r>
-                      <a:r>
-                        <a:rPr lang="en-US" altLang="zh-CN" dirty="0" err="1">
-                          <a:latin typeface="Consolas" panose="020B0609020204030204" pitchFamily="49" charset="0"/>
-                          <a:cs typeface="Calibri" panose="020F0502020204030204" pitchFamily="34" charset="0"/>
-                        </a:rPr>
-                        <a:t>sidebar_index</a:t>
-                      </a:r>
-                      <a:endParaRPr lang="en-US" altLang="zh-CN" dirty="0">
-                        <a:latin typeface="Consolas" panose="020B0609020204030204" pitchFamily="49" charset="0"/>
-                        <a:cs typeface="Calibri" panose="020F0502020204030204" pitchFamily="34" charset="0"/>
-                      </a:endParaRPr>
-                    </a:p>
-                    <a:p>
-                      <a:pPr algn="l"/>
-                      <a:r>
-                        <a:rPr lang="en-US" altLang="zh-CN" dirty="0">
-                          <a:latin typeface="Consolas" panose="020B0609020204030204" pitchFamily="49" charset="0"/>
-                          <a:cs typeface="Calibri" panose="020F0502020204030204" pitchFamily="34" charset="0"/>
-                        </a:rPr>
-                        <a:t>-</a:t>
-                      </a:r>
-                      <a:r>
-                        <a:rPr lang="en-US" altLang="zh-CN" dirty="0" err="1">
-                          <a:latin typeface="Consolas" panose="020B0609020204030204" pitchFamily="49" charset="0"/>
-                          <a:cs typeface="Calibri" panose="020F0502020204030204" pitchFamily="34" charset="0"/>
-                        </a:rPr>
-                        <a:t>item_list_index</a:t>
-                      </a:r>
-                      <a:endParaRPr lang="zh-CN" altLang="en-US" dirty="0">
-                        <a:latin typeface="Consolas" panose="020B0609020204030204" pitchFamily="49" charset="0"/>
-                        <a:cs typeface="Calibri" panose="020F0502020204030204" pitchFamily="34" charset="0"/>
-                      </a:endParaRPr>
-                    </a:p>
                   </a:txBody>
                   <a:tcPr/>
                 </a:tc>
@@ -4485,39 +4443,6 @@
                       <a:pPr algn="l"/>
                       <a:r>
                         <a:rPr lang="en-US" altLang="zh-CN" dirty="0">
-                          <a:solidFill>
-                            <a:srgbClr val="FF0000"/>
-                          </a:solidFill>
-                          <a:latin typeface="Consolas" panose="020B0609020204030204" pitchFamily="49" charset="0"/>
-                          <a:cs typeface="Calibri" panose="020F0502020204030204" pitchFamily="34" charset="0"/>
-                        </a:rPr>
-                        <a:t>+</a:t>
-                      </a:r>
-                      <a:r>
-                        <a:rPr lang="en-US" altLang="zh-CN" dirty="0" err="1">
-                          <a:solidFill>
-                            <a:srgbClr val="FF0000"/>
-                          </a:solidFill>
-                          <a:latin typeface="Consolas" panose="020B0609020204030204" pitchFamily="49" charset="0"/>
-                          <a:cs typeface="Calibri" panose="020F0502020204030204" pitchFamily="34" charset="0"/>
-                        </a:rPr>
-                        <a:t>update_default_msg</a:t>
-                      </a:r>
-                      <a:r>
-                        <a:rPr lang="en-US" altLang="zh-CN" dirty="0">
-                          <a:solidFill>
-                            <a:srgbClr val="FF0000"/>
-                          </a:solidFill>
-                          <a:latin typeface="Consolas" panose="020B0609020204030204" pitchFamily="49" charset="0"/>
-                          <a:cs typeface="Calibri" panose="020F0502020204030204" pitchFamily="34" charset="0"/>
-                        </a:rPr>
-                        <a:t>()</a:t>
-                      </a:r>
-                    </a:p>
-                    <a:p>
-                      <a:pPr algn="l"/>
-                      <a:r>
-                        <a:rPr lang="en-US" altLang="zh-CN" dirty="0">
                           <a:latin typeface="Consolas" panose="020B0609020204030204" pitchFamily="49" charset="0"/>
                           <a:cs typeface="Calibri" panose="020F0502020204030204" pitchFamily="34" charset="0"/>
                         </a:rPr>
@@ -4551,83 +4476,6 @@
                     <a:lstStyle/>
                     <a:p>
                       <a:pPr algn="l"/>
-                      <a:r>
-                        <a:rPr lang="en-US" altLang="zh-CN" dirty="0">
-                          <a:latin typeface="Consolas" panose="020B0609020204030204" pitchFamily="49" charset="0"/>
-                          <a:cs typeface="Calibri" panose="020F0502020204030204" pitchFamily="34" charset="0"/>
-                        </a:rPr>
-                        <a:t>+</a:t>
-                      </a:r>
-                      <a:r>
-                        <a:rPr lang="en-US" altLang="zh-CN" dirty="0" err="1">
-                          <a:latin typeface="Consolas" panose="020B0609020204030204" pitchFamily="49" charset="0"/>
-                          <a:cs typeface="Calibri" panose="020F0502020204030204" pitchFamily="34" charset="0"/>
-                        </a:rPr>
-                        <a:t>set_sidebar_index</a:t>
-                      </a:r>
-                      <a:endParaRPr lang="en-US" altLang="zh-CN" dirty="0">
-                        <a:latin typeface="Consolas" panose="020B0609020204030204" pitchFamily="49" charset="0"/>
-                        <a:cs typeface="Calibri" panose="020F0502020204030204" pitchFamily="34" charset="0"/>
-                      </a:endParaRPr>
-                    </a:p>
-                    <a:p>
-                      <a:pPr algn="l"/>
-                      <a:r>
-                        <a:rPr lang="en-US" altLang="zh-CN" dirty="0">
-                          <a:latin typeface="Consolas" panose="020B0609020204030204" pitchFamily="49" charset="0"/>
-                          <a:cs typeface="Calibri" panose="020F0502020204030204" pitchFamily="34" charset="0"/>
-                        </a:rPr>
-                        <a:t>+</a:t>
-                      </a:r>
-                      <a:r>
-                        <a:rPr lang="en-US" altLang="zh-CN" dirty="0" err="1">
-                          <a:latin typeface="Consolas" panose="020B0609020204030204" pitchFamily="49" charset="0"/>
-                          <a:cs typeface="Calibri" panose="020F0502020204030204" pitchFamily="34" charset="0"/>
-                        </a:rPr>
-                        <a:t>get_sidebar_index</a:t>
-                      </a:r>
-                      <a:endParaRPr lang="en-US" altLang="zh-CN" dirty="0">
-                        <a:latin typeface="Consolas" panose="020B0609020204030204" pitchFamily="49" charset="0"/>
-                        <a:cs typeface="Calibri" panose="020F0502020204030204" pitchFamily="34" charset="0"/>
-                      </a:endParaRPr>
-                    </a:p>
-                    <a:p>
-                      <a:pPr algn="l"/>
-                      <a:r>
-                        <a:rPr lang="en-US" altLang="zh-CN" dirty="0">
-                          <a:latin typeface="Consolas" panose="020B0609020204030204" pitchFamily="49" charset="0"/>
-                          <a:cs typeface="Calibri" panose="020F0502020204030204" pitchFamily="34" charset="0"/>
-                        </a:rPr>
-                        <a:t>+</a:t>
-                      </a:r>
-                      <a:r>
-                        <a:rPr lang="en-US" altLang="zh-CN" dirty="0" err="1">
-                          <a:latin typeface="Consolas" panose="020B0609020204030204" pitchFamily="49" charset="0"/>
-                          <a:cs typeface="Calibri" panose="020F0502020204030204" pitchFamily="34" charset="0"/>
-                        </a:rPr>
-                        <a:t>set_item_list_index</a:t>
-                      </a:r>
-                      <a:endParaRPr lang="en-US" altLang="zh-CN" dirty="0">
-                        <a:latin typeface="Consolas" panose="020B0609020204030204" pitchFamily="49" charset="0"/>
-                        <a:cs typeface="Calibri" panose="020F0502020204030204" pitchFamily="34" charset="0"/>
-                      </a:endParaRPr>
-                    </a:p>
-                    <a:p>
-                      <a:pPr algn="l"/>
-                      <a:r>
-                        <a:rPr lang="en-US" altLang="zh-CN" dirty="0">
-                          <a:latin typeface="Consolas" panose="020B0609020204030204" pitchFamily="49" charset="0"/>
-                          <a:cs typeface="Calibri" panose="020F0502020204030204" pitchFamily="34" charset="0"/>
-                        </a:rPr>
-                        <a:t>+</a:t>
-                      </a:r>
-                      <a:r>
-                        <a:rPr lang="en-US" altLang="zh-CN" dirty="0" err="1">
-                          <a:latin typeface="Consolas" panose="020B0609020204030204" pitchFamily="49" charset="0"/>
-                          <a:cs typeface="Calibri" panose="020F0502020204030204" pitchFamily="34" charset="0"/>
-                        </a:rPr>
-                        <a:t>get_item_list_index</a:t>
-                      </a:r>
                       <a:endParaRPr lang="zh-CN" altLang="en-US" dirty="0">
                         <a:latin typeface="Consolas" panose="020B0609020204030204" pitchFamily="49" charset="0"/>
                         <a:cs typeface="Calibri" panose="020F0502020204030204" pitchFamily="34" charset="0"/>
@@ -4661,14 +4509,14 @@
           <p:nvPr>
             <p:extLst>
               <p:ext uri="{D42A27DB-BD31-4B8C-83A1-F6EECF244321}">
-                <p14:modId xmlns:p14="http://schemas.microsoft.com/office/powerpoint/2010/main" val="3379729883"/>
+                <p14:modId xmlns:p14="http://schemas.microsoft.com/office/powerpoint/2010/main" val="2945844707"/>
               </p:ext>
             </p:extLst>
           </p:nvPr>
         </p:nvGraphicFramePr>
         <p:xfrm>
           <a:off x="560714" y="3145574"/>
-          <a:ext cx="5339754" cy="3022600"/>
+          <a:ext cx="5339754" cy="3296920"/>
         </p:xfrm>
         <a:graphic>
           <a:graphicData uri="http://schemas.openxmlformats.org/drawingml/2006/table">
@@ -4868,6 +4716,39 @@
                         </a:rPr>
                         <a:t>+options</a:t>
                       </a:r>
+                    </a:p>
+                    <a:p>
+                      <a:pPr marL="0" marR="0" lvl="0" indent="0" algn="l" defTabSz="914400" rtl="0" eaLnBrk="1" fontAlgn="auto" latinLnBrk="0" hangingPunct="1">
+                        <a:lnSpc>
+                          <a:spcPct val="100000"/>
+                        </a:lnSpc>
+                        <a:spcBef>
+                          <a:spcPts val="0"/>
+                        </a:spcBef>
+                        <a:spcAft>
+                          <a:spcPts val="0"/>
+                        </a:spcAft>
+                        <a:buClrTx/>
+                        <a:buSzTx/>
+                        <a:buFontTx/>
+                        <a:buNone/>
+                        <a:tabLst/>
+                        <a:defRPr/>
+                      </a:pPr>
+                      <a:r>
+                        <a:rPr lang="en-US" altLang="zh-CN" dirty="0">
+                          <a:latin typeface="Consolas" panose="020B0609020204030204" pitchFamily="49" charset="0"/>
+                          <a:cs typeface="Calibri" panose="020F0502020204030204" pitchFamily="34" charset="0"/>
+                        </a:rPr>
+                        <a:t>+</a:t>
+                      </a:r>
+                      <a:r>
+                        <a:rPr lang="en-US" altLang="zh-CN" dirty="0" err="1">
+                          <a:latin typeface="Consolas" panose="020B0609020204030204" pitchFamily="49" charset="0"/>
+                          <a:cs typeface="Calibri" panose="020F0502020204030204" pitchFamily="34" charset="0"/>
+                        </a:rPr>
+                        <a:t>selected_opt_idx</a:t>
+                      </a:r>
                       <a:endParaRPr lang="zh-CN" altLang="en-US" dirty="0">
                         <a:latin typeface="Consolas" panose="020B0609020204030204" pitchFamily="49" charset="0"/>
                         <a:cs typeface="Calibri" panose="020F0502020204030204" pitchFamily="34" charset="0"/>
@@ -4917,6 +4798,55 @@
                         </a:rPr>
                         <a:t>()</a:t>
                       </a:r>
+                    </a:p>
+                    <a:p>
+                      <a:pPr algn="l"/>
+                      <a:r>
+                        <a:rPr lang="en-US" altLang="zh-CN" dirty="0">
+                          <a:latin typeface="Consolas" panose="020B0609020204030204" pitchFamily="49" charset="0"/>
+                          <a:cs typeface="Calibri" panose="020F0502020204030204" pitchFamily="34" charset="0"/>
+                        </a:rPr>
+                        <a:t>+</a:t>
+                      </a:r>
+                      <a:r>
+                        <a:rPr lang="en-US" altLang="zh-CN" dirty="0" err="1">
+                          <a:latin typeface="Consolas" panose="020B0609020204030204" pitchFamily="49" charset="0"/>
+                          <a:cs typeface="Calibri" panose="020F0502020204030204" pitchFamily="34" charset="0"/>
+                        </a:rPr>
+                        <a:t>set_opt_index</a:t>
+                      </a:r>
+                      <a:endParaRPr lang="en-US" altLang="zh-CN" dirty="0">
+                        <a:latin typeface="Consolas" panose="020B0609020204030204" pitchFamily="49" charset="0"/>
+                        <a:cs typeface="Calibri" panose="020F0502020204030204" pitchFamily="34" charset="0"/>
+                      </a:endParaRPr>
+                    </a:p>
+                    <a:p>
+                      <a:pPr algn="l"/>
+                      <a:r>
+                        <a:rPr lang="en-US" altLang="zh-CN" dirty="0">
+                          <a:latin typeface="Consolas" panose="020B0609020204030204" pitchFamily="49" charset="0"/>
+                          <a:cs typeface="Calibri" panose="020F0502020204030204" pitchFamily="34" charset="0"/>
+                        </a:rPr>
+                        <a:t>+</a:t>
+                      </a:r>
+                      <a:r>
+                        <a:rPr lang="en-US" altLang="zh-CN" dirty="0" err="1">
+                          <a:latin typeface="Consolas" panose="020B0609020204030204" pitchFamily="49" charset="0"/>
+                          <a:cs typeface="Calibri" panose="020F0502020204030204" pitchFamily="34" charset="0"/>
+                        </a:rPr>
+                        <a:t>get_opt_index</a:t>
+                      </a:r>
+                      <a:endParaRPr lang="en-US" altLang="zh-CN" dirty="0">
+                        <a:latin typeface="Consolas" panose="020B0609020204030204" pitchFamily="49" charset="0"/>
+                        <a:cs typeface="Calibri" panose="020F0502020204030204" pitchFamily="34" charset="0"/>
+                      </a:endParaRPr>
+                    </a:p>
+                    <a:p>
+                      <a:pPr algn="l"/>
+                      <a:endParaRPr lang="en-US" altLang="zh-CN" dirty="0">
+                        <a:latin typeface="Consolas" panose="020B0609020204030204" pitchFamily="49" charset="0"/>
+                        <a:cs typeface="Calibri" panose="020F0502020204030204" pitchFamily="34" charset="0"/>
+                      </a:endParaRPr>
                     </a:p>
                   </a:txBody>
                   <a:tcPr/>
@@ -5029,7 +4959,7 @@
           <p:nvPr>
             <p:extLst>
               <p:ext uri="{D42A27DB-BD31-4B8C-83A1-F6EECF244321}">
-                <p14:modId xmlns:p14="http://schemas.microsoft.com/office/powerpoint/2010/main" val="2498422426"/>
+                <p14:modId xmlns:p14="http://schemas.microsoft.com/office/powerpoint/2010/main" val="2576829043"/>
               </p:ext>
             </p:extLst>
           </p:nvPr>
@@ -5316,76 +5246,6 @@
                         </a:rPr>
                         <a:t>+mode</a:t>
                       </a:r>
-                      <a:endParaRPr lang="zh-CN" altLang="en-US" dirty="0">
-                        <a:latin typeface="Consolas" panose="020B0609020204030204" pitchFamily="49" charset="0"/>
-                        <a:cs typeface="Calibri" panose="020F0502020204030204" pitchFamily="34" charset="0"/>
-                      </a:endParaRPr>
-                    </a:p>
-                    <a:p>
-                      <a:pPr algn="l"/>
-                      <a:endParaRPr lang="zh-CN" altLang="en-US" dirty="0">
-                        <a:latin typeface="Consolas" panose="020B0609020204030204" pitchFamily="49" charset="0"/>
-                        <a:cs typeface="Calibri" panose="020F0502020204030204" pitchFamily="34" charset="0"/>
-                      </a:endParaRPr>
-                    </a:p>
-                  </a:txBody>
-                  <a:tcPr/>
-                </a:tc>
-                <a:extLst>
-                  <a:ext uri="{0D108BD9-81ED-4DB2-BD59-A6C34878D82A}">
-                    <a16:rowId xmlns:a16="http://schemas.microsoft.com/office/drawing/2014/main" val="2808945376"/>
-                  </a:ext>
-                </a:extLst>
-              </a:tr>
-              <a:tr h="370840">
-                <a:tc>
-                  <a:txBody>
-                    <a:bodyPr/>
-                    <a:lstStyle/>
-                    <a:p>
-                      <a:pPr algn="l"/>
-                      <a:r>
-                        <a:rPr lang="en-US" altLang="zh-CN" dirty="0">
-                          <a:latin typeface="Consolas" panose="020B0609020204030204" pitchFamily="49" charset="0"/>
-                          <a:cs typeface="Calibri" panose="020F0502020204030204" pitchFamily="34" charset="0"/>
-                        </a:rPr>
-                        <a:t>+</a:t>
-                      </a:r>
-                      <a:r>
-                        <a:rPr lang="en-US" altLang="zh-CN" dirty="0" err="1">
-                          <a:latin typeface="Consolas" panose="020B0609020204030204" pitchFamily="49" charset="0"/>
-                          <a:cs typeface="Calibri" panose="020F0502020204030204" pitchFamily="34" charset="0"/>
-                        </a:rPr>
-                        <a:t>draw_everything</a:t>
-                      </a:r>
-                      <a:endParaRPr lang="en-US" altLang="zh-CN" dirty="0">
-                        <a:latin typeface="Consolas" panose="020B0609020204030204" pitchFamily="49" charset="0"/>
-                        <a:cs typeface="Calibri" panose="020F0502020204030204" pitchFamily="34" charset="0"/>
-                      </a:endParaRPr>
-                    </a:p>
-                    <a:p>
-                      <a:pPr algn="l"/>
-                      <a:r>
-                        <a:rPr lang="en-US" altLang="zh-CN" dirty="0">
-                          <a:latin typeface="Consolas" panose="020B0609020204030204" pitchFamily="49" charset="0"/>
-                          <a:cs typeface="Calibri" panose="020F0502020204030204" pitchFamily="34" charset="0"/>
-                        </a:rPr>
-                        <a:t>-</a:t>
-                      </a:r>
-                      <a:r>
-                        <a:rPr lang="en-US" altLang="zh-CN" dirty="0" err="1">
-                          <a:latin typeface="Consolas" panose="020B0609020204030204" pitchFamily="49" charset="0"/>
-                          <a:cs typeface="Calibri" panose="020F0502020204030204" pitchFamily="34" charset="0"/>
-                        </a:rPr>
-                        <a:t>draw_border</a:t>
-                      </a:r>
-                      <a:r>
-                        <a:rPr lang="en-US" altLang="zh-CN" dirty="0">
-                          <a:latin typeface="Consolas" panose="020B0609020204030204" pitchFamily="49" charset="0"/>
-                          <a:cs typeface="Calibri" panose="020F0502020204030204" pitchFamily="34" charset="0"/>
-                        </a:rPr>
-                        <a:t>()</a:t>
-                      </a:r>
                     </a:p>
                     <a:p>
                       <a:pPr marL="0" marR="0" lvl="0" indent="0" algn="l" defTabSz="914400" rtl="0" eaLnBrk="1" fontAlgn="auto" latinLnBrk="0" hangingPunct="1">
@@ -5410,6 +5270,109 @@
                           <a:latin typeface="Consolas" panose="020B0609020204030204" pitchFamily="49" charset="0"/>
                           <a:cs typeface="Calibri" panose="020F0502020204030204" pitchFamily="34" charset="0"/>
                         </a:rPr>
+                        <a:t>+</a:t>
+                      </a:r>
+                      <a:r>
+                        <a:rPr lang="en-US" altLang="zh-CN" dirty="0" err="1">
+                          <a:latin typeface="Consolas" panose="020B0609020204030204" pitchFamily="49" charset="0"/>
+                          <a:cs typeface="Calibri" panose="020F0502020204030204" pitchFamily="34" charset="0"/>
+                        </a:rPr>
+                        <a:t>selected_item_idx</a:t>
+                      </a:r>
+                      <a:endParaRPr lang="zh-CN" altLang="en-US" dirty="0">
+                        <a:latin typeface="Consolas" panose="020B0609020204030204" pitchFamily="49" charset="0"/>
+                        <a:cs typeface="Calibri" panose="020F0502020204030204" pitchFamily="34" charset="0"/>
+                      </a:endParaRPr>
+                    </a:p>
+                    <a:p>
+                      <a:pPr algn="l"/>
+                      <a:endParaRPr lang="zh-CN" altLang="en-US" dirty="0">
+                        <a:latin typeface="Consolas" panose="020B0609020204030204" pitchFamily="49" charset="0"/>
+                        <a:cs typeface="Calibri" panose="020F0502020204030204" pitchFamily="34" charset="0"/>
+                      </a:endParaRPr>
+                    </a:p>
+                  </a:txBody>
+                  <a:tcPr/>
+                </a:tc>
+                <a:extLst>
+                  <a:ext uri="{0D108BD9-81ED-4DB2-BD59-A6C34878D82A}">
+                    <a16:rowId xmlns:a16="http://schemas.microsoft.com/office/drawing/2014/main" val="2808945376"/>
+                  </a:ext>
+                </a:extLst>
+              </a:tr>
+              <a:tr h="370840">
+                <a:tc>
+                  <a:txBody>
+                    <a:bodyPr/>
+                    <a:lstStyle/>
+                    <a:p>
+                      <a:pPr algn="l"/>
+                      <a:r>
+                        <a:rPr lang="en-US" altLang="zh-CN" dirty="0">
+                          <a:latin typeface="Consolas" panose="020B0609020204030204" pitchFamily="49" charset="0"/>
+                          <a:cs typeface="Calibri" panose="020F0502020204030204" pitchFamily="34" charset="0"/>
+                        </a:rPr>
+                        <a:t>+</a:t>
+                      </a:r>
+                      <a:r>
+                        <a:rPr lang="en-US" altLang="zh-CN" dirty="0" err="1">
+                          <a:latin typeface="Consolas" panose="020B0609020204030204" pitchFamily="49" charset="0"/>
+                          <a:cs typeface="Calibri" panose="020F0502020204030204" pitchFamily="34" charset="0"/>
+                        </a:rPr>
+                        <a:t>draw_everything</a:t>
+                      </a:r>
+                      <a:endParaRPr lang="en-US" altLang="zh-CN" dirty="0">
+                        <a:latin typeface="Consolas" panose="020B0609020204030204" pitchFamily="49" charset="0"/>
+                        <a:cs typeface="Calibri" panose="020F0502020204030204" pitchFamily="34" charset="0"/>
+                      </a:endParaRPr>
+                    </a:p>
+                    <a:p>
+                      <a:pPr algn="l"/>
+                      <a:r>
+                        <a:rPr lang="en-US" altLang="zh-CN" dirty="0">
+                          <a:latin typeface="Consolas" panose="020B0609020204030204" pitchFamily="49" charset="0"/>
+                          <a:cs typeface="Calibri" panose="020F0502020204030204" pitchFamily="34" charset="0"/>
+                        </a:rPr>
+                        <a:t>-</a:t>
+                      </a:r>
+                      <a:r>
+                        <a:rPr lang="en-US" altLang="zh-CN" dirty="0" err="1">
+                          <a:latin typeface="Consolas" panose="020B0609020204030204" pitchFamily="49" charset="0"/>
+                          <a:cs typeface="Calibri" panose="020F0502020204030204" pitchFamily="34" charset="0"/>
+                        </a:rPr>
+                        <a:t>draw_border</a:t>
+                      </a:r>
+                      <a:r>
+                        <a:rPr lang="en-US" altLang="zh-CN" dirty="0">
+                          <a:latin typeface="Consolas" panose="020B0609020204030204" pitchFamily="49" charset="0"/>
+                          <a:cs typeface="Calibri" panose="020F0502020204030204" pitchFamily="34" charset="0"/>
+                        </a:rPr>
+                        <a:t>()</a:t>
+                      </a:r>
+                    </a:p>
+                    <a:p>
+                      <a:pPr marL="0" marR="0" lvl="0" indent="0" algn="l" defTabSz="914400" rtl="0" eaLnBrk="1" fontAlgn="auto" latinLnBrk="0" hangingPunct="1">
+                        <a:lnSpc>
+                          <a:spcPct val="100000"/>
+                        </a:lnSpc>
+                        <a:spcBef>
+                          <a:spcPts val="0"/>
+                        </a:spcBef>
+                        <a:spcAft>
+                          <a:spcPts val="0"/>
+                        </a:spcAft>
+                        <a:buClrTx/>
+                        <a:buSzTx/>
+                        <a:buFontTx/>
+                        <a:buNone/>
+                        <a:tabLst/>
+                        <a:defRPr/>
+                      </a:pPr>
+                      <a:r>
+                        <a:rPr lang="en-US" altLang="zh-CN" dirty="0">
+                          <a:latin typeface="Consolas" panose="020B0609020204030204" pitchFamily="49" charset="0"/>
+                          <a:cs typeface="Calibri" panose="020F0502020204030204" pitchFamily="34" charset="0"/>
+                        </a:rPr>
                         <a:t>-</a:t>
                       </a:r>
                       <a:r>
@@ -5478,6 +5441,48 @@
                         </a:rPr>
                         <a:t>()</a:t>
                       </a:r>
+                    </a:p>
+                    <a:p>
+                      <a:pPr algn="l"/>
+                      <a:r>
+                        <a:rPr lang="en-US" altLang="zh-CN" dirty="0">
+                          <a:latin typeface="Consolas" panose="020B0609020204030204" pitchFamily="49" charset="0"/>
+                          <a:cs typeface="Calibri" panose="020F0502020204030204" pitchFamily="34" charset="0"/>
+                        </a:rPr>
+                        <a:t>+</a:t>
+                      </a:r>
+                      <a:r>
+                        <a:rPr lang="en-US" altLang="zh-CN" dirty="0" err="1">
+                          <a:latin typeface="Consolas" panose="020B0609020204030204" pitchFamily="49" charset="0"/>
+                          <a:cs typeface="Calibri" panose="020F0502020204030204" pitchFamily="34" charset="0"/>
+                        </a:rPr>
+                        <a:t>set_item_idx</a:t>
+                      </a:r>
+                      <a:endParaRPr lang="en-US" altLang="zh-CN" dirty="0">
+                        <a:latin typeface="Consolas" panose="020B0609020204030204" pitchFamily="49" charset="0"/>
+                        <a:cs typeface="Calibri" panose="020F0502020204030204" pitchFamily="34" charset="0"/>
+                      </a:endParaRPr>
+                    </a:p>
+                    <a:p>
+                      <a:pPr algn="l"/>
+                      <a:r>
+                        <a:rPr lang="en-US" altLang="zh-CN" dirty="0">
+                          <a:latin typeface="Consolas" panose="020B0609020204030204" pitchFamily="49" charset="0"/>
+                          <a:cs typeface="Calibri" panose="020F0502020204030204" pitchFamily="34" charset="0"/>
+                        </a:rPr>
+                        <a:t>+</a:t>
+                      </a:r>
+                      <a:r>
+                        <a:rPr lang="en-US" altLang="zh-CN" dirty="0" err="1">
+                          <a:latin typeface="Consolas" panose="020B0609020204030204" pitchFamily="49" charset="0"/>
+                          <a:cs typeface="Calibri" panose="020F0502020204030204" pitchFamily="34" charset="0"/>
+                        </a:rPr>
+                        <a:t>get_item_idx</a:t>
+                      </a:r>
+                      <a:endParaRPr lang="en-US" altLang="zh-CN" dirty="0">
+                        <a:latin typeface="Consolas" panose="020B0609020204030204" pitchFamily="49" charset="0"/>
+                        <a:cs typeface="Calibri" panose="020F0502020204030204" pitchFamily="34" charset="0"/>
+                      </a:endParaRPr>
                     </a:p>
                   </a:txBody>
                   <a:tcPr/>
@@ -5825,14 +5830,14 @@
           <p:nvPr>
             <p:extLst>
               <p:ext uri="{D42A27DB-BD31-4B8C-83A1-F6EECF244321}">
-                <p14:modId xmlns:p14="http://schemas.microsoft.com/office/powerpoint/2010/main" val="142250541"/>
+                <p14:modId xmlns:p14="http://schemas.microsoft.com/office/powerpoint/2010/main" val="1682382574"/>
               </p:ext>
             </p:extLst>
           </p:nvPr>
         </p:nvGraphicFramePr>
         <p:xfrm>
           <a:off x="2032000" y="719666"/>
-          <a:ext cx="8128000" cy="3296920"/>
+          <a:ext cx="8128000" cy="4119880"/>
         </p:xfrm>
         <a:graphic>
           <a:graphicData uri="http://schemas.openxmlformats.org/drawingml/2006/table">
@@ -5907,7 +5912,7 @@
                           <a:latin typeface="Consolas" panose="020B0609020204030204" pitchFamily="49" charset="0"/>
                           <a:cs typeface="Calibri" panose="020F0502020204030204" pitchFamily="34" charset="0"/>
                         </a:rPr>
-                        <a:t>+player</a:t>
+                        <a:t>-player</a:t>
                       </a:r>
                     </a:p>
                     <a:p>
@@ -5917,7 +5922,7 @@
                           <a:latin typeface="Consolas" panose="020B0609020204030204" pitchFamily="49" charset="0"/>
                           <a:cs typeface="Calibri" panose="020F0502020204030204" pitchFamily="34" charset="0"/>
                         </a:rPr>
-                        <a:t>+view</a:t>
+                        <a:t>-view</a:t>
                       </a:r>
                       <a:endParaRPr lang="zh-CN" altLang="en-US" dirty="0">
                         <a:latin typeface="Consolas" panose="020B0609020204030204" pitchFamily="49" charset="0"/>
@@ -6096,6 +6101,150 @@
                           <a:cs typeface="Calibri" panose="020F0502020204030204" pitchFamily="34" charset="0"/>
                         </a:rPr>
                         <a:t>() -&gt; bool</a:t>
+                      </a:r>
+                    </a:p>
+                    <a:p>
+                      <a:pPr algn="ctr"/>
+                      <a:r>
+                        <a:rPr lang="en-US" altLang="zh-CN" dirty="0">
+                          <a:latin typeface="Consolas" panose="020B0609020204030204" pitchFamily="49" charset="0"/>
+                          <a:cs typeface="Calibri" panose="020F0502020204030204" pitchFamily="34" charset="0"/>
+                        </a:rPr>
+                        <a:t>-</a:t>
+                      </a:r>
+                      <a:r>
+                        <a:rPr lang="en-US" altLang="zh-CN" dirty="0" err="1">
+                          <a:latin typeface="Consolas" panose="020B0609020204030204" pitchFamily="49" charset="0"/>
+                          <a:cs typeface="Calibri" panose="020F0502020204030204" pitchFamily="34" charset="0"/>
+                        </a:rPr>
+                        <a:t>on_arrow_key_up</a:t>
+                      </a:r>
+                      <a:r>
+                        <a:rPr lang="en-US" altLang="zh-CN" dirty="0">
+                          <a:latin typeface="Consolas" panose="020B0609020204030204" pitchFamily="49" charset="0"/>
+                          <a:cs typeface="Calibri" panose="020F0502020204030204" pitchFamily="34" charset="0"/>
+                        </a:rPr>
+                        <a:t>()</a:t>
+                      </a:r>
+                    </a:p>
+                    <a:p>
+                      <a:pPr algn="ctr"/>
+                      <a:r>
+                        <a:rPr lang="en-US" altLang="zh-CN" dirty="0">
+                          <a:latin typeface="Consolas" panose="020B0609020204030204" pitchFamily="49" charset="0"/>
+                          <a:cs typeface="Calibri" panose="020F0502020204030204" pitchFamily="34" charset="0"/>
+                        </a:rPr>
+                        <a:t>-</a:t>
+                      </a:r>
+                      <a:r>
+                        <a:rPr lang="en-US" altLang="zh-CN" dirty="0" err="1">
+                          <a:latin typeface="Consolas" panose="020B0609020204030204" pitchFamily="49" charset="0"/>
+                          <a:cs typeface="Calibri" panose="020F0502020204030204" pitchFamily="34" charset="0"/>
+                        </a:rPr>
+                        <a:t>on_confirm</a:t>
+                      </a:r>
+                      <a:r>
+                        <a:rPr lang="en-US" altLang="zh-CN" dirty="0">
+                          <a:latin typeface="Consolas" panose="020B0609020204030204" pitchFamily="49" charset="0"/>
+                          <a:cs typeface="Calibri" panose="020F0502020204030204" pitchFamily="34" charset="0"/>
+                        </a:rPr>
+                        <a:t>()</a:t>
+                      </a:r>
+                    </a:p>
+                    <a:p>
+                      <a:pPr algn="ctr"/>
+                      <a:r>
+                        <a:rPr lang="en-US" altLang="zh-CN" dirty="0">
+                          <a:latin typeface="Consolas" panose="020B0609020204030204" pitchFamily="49" charset="0"/>
+                          <a:cs typeface="Calibri" panose="020F0502020204030204" pitchFamily="34" charset="0"/>
+                        </a:rPr>
+                        <a:t>-</a:t>
+                      </a:r>
+                      <a:r>
+                        <a:rPr lang="en-US" altLang="zh-CN" dirty="0" err="1">
+                          <a:latin typeface="Consolas" panose="020B0609020204030204" pitchFamily="49" charset="0"/>
+                          <a:cs typeface="Calibri" panose="020F0502020204030204" pitchFamily="34" charset="0"/>
+                        </a:rPr>
+                        <a:t>on_cancel</a:t>
+                      </a:r>
+                      <a:r>
+                        <a:rPr lang="en-US" altLang="zh-CN" dirty="0">
+                          <a:latin typeface="Consolas" panose="020B0609020204030204" pitchFamily="49" charset="0"/>
+                          <a:cs typeface="Calibri" panose="020F0502020204030204" pitchFamily="34" charset="0"/>
+                        </a:rPr>
+                        <a:t>()</a:t>
+                      </a:r>
+                    </a:p>
+                    <a:p>
+                      <a:pPr algn="ctr"/>
+                      <a:r>
+                        <a:rPr lang="en-US" altLang="zh-CN" dirty="0">
+                          <a:latin typeface="Consolas" panose="020B0609020204030204" pitchFamily="49" charset="0"/>
+                          <a:cs typeface="Calibri" panose="020F0502020204030204" pitchFamily="34" charset="0"/>
+                        </a:rPr>
+                        <a:t>-</a:t>
+                      </a:r>
+                      <a:r>
+                        <a:rPr lang="en-US" altLang="zh-CN" dirty="0" err="1">
+                          <a:latin typeface="Consolas" panose="020B0609020204030204" pitchFamily="49" charset="0"/>
+                          <a:cs typeface="Calibri" panose="020F0502020204030204" pitchFamily="34" charset="0"/>
+                        </a:rPr>
+                        <a:t>on_save_game</a:t>
+                      </a:r>
+                      <a:r>
+                        <a:rPr lang="en-US" altLang="zh-CN" dirty="0">
+                          <a:latin typeface="Consolas" panose="020B0609020204030204" pitchFamily="49" charset="0"/>
+                          <a:cs typeface="Calibri" panose="020F0502020204030204" pitchFamily="34" charset="0"/>
+                        </a:rPr>
+                        <a:t>()</a:t>
+                      </a:r>
+                    </a:p>
+                    <a:p>
+                      <a:pPr algn="ctr"/>
+                      <a:r>
+                        <a:rPr lang="en-US" altLang="zh-CN" dirty="0">
+                          <a:latin typeface="Consolas" panose="020B0609020204030204" pitchFamily="49" charset="0"/>
+                          <a:cs typeface="Calibri" panose="020F0502020204030204" pitchFamily="34" charset="0"/>
+                        </a:rPr>
+                        <a:t>-</a:t>
+                      </a:r>
+                      <a:r>
+                        <a:rPr lang="en-US" altLang="zh-CN" dirty="0" err="1">
+                          <a:latin typeface="Consolas" panose="020B0609020204030204" pitchFamily="49" charset="0"/>
+                          <a:cs typeface="Calibri" panose="020F0502020204030204" pitchFamily="34" charset="0"/>
+                        </a:rPr>
+                        <a:t>on_load_game</a:t>
+                      </a:r>
+                      <a:r>
+                        <a:rPr lang="en-US" altLang="zh-CN" dirty="0">
+                          <a:latin typeface="Consolas" panose="020B0609020204030204" pitchFamily="49" charset="0"/>
+                          <a:cs typeface="Calibri" panose="020F0502020204030204" pitchFamily="34" charset="0"/>
+                        </a:rPr>
+                        <a:t>()</a:t>
+                      </a:r>
+                    </a:p>
+                    <a:p>
+                      <a:pPr algn="ctr"/>
+                      <a:r>
+                        <a:rPr lang="en-US" altLang="zh-CN" dirty="0">
+                          <a:latin typeface="Consolas" panose="020B0609020204030204" pitchFamily="49" charset="0"/>
+                          <a:cs typeface="Calibri" panose="020F0502020204030204" pitchFamily="34" charset="0"/>
+                        </a:rPr>
+                        <a:t>-</a:t>
+                      </a:r>
+                      <a:r>
+                        <a:rPr lang="en-US" altLang="zh-CN" dirty="0" err="1">
+                          <a:latin typeface="Consolas" panose="020B0609020204030204" pitchFamily="49" charset="0"/>
+                          <a:cs typeface="Calibri" panose="020F0502020204030204" pitchFamily="34" charset="0"/>
+                        </a:rPr>
+                        <a:t>update_default_message</a:t>
+                      </a:r>
+                      <a:r>
+                        <a:rPr lang="en-US" altLang="zh-CN">
+                          <a:latin typeface="Consolas" panose="020B0609020204030204" pitchFamily="49" charset="0"/>
+                          <a:cs typeface="Calibri" panose="020F0502020204030204" pitchFamily="34" charset="0"/>
+                        </a:rPr>
+                        <a:t>()</a:t>
                       </a:r>
                       <a:endParaRPr lang="zh-CN" altLang="en-US" dirty="0">
                         <a:latin typeface="Consolas" panose="020B0609020204030204" pitchFamily="49" charset="0"/>

--- a/docs/UML.pptx
+++ b/docs/UML.pptx
@@ -4509,14 +4509,14 @@
           <p:nvPr>
             <p:extLst>
               <p:ext uri="{D42A27DB-BD31-4B8C-83A1-F6EECF244321}">
-                <p14:modId xmlns:p14="http://schemas.microsoft.com/office/powerpoint/2010/main" val="2945844707"/>
+                <p14:modId xmlns:p14="http://schemas.microsoft.com/office/powerpoint/2010/main" val="867891701"/>
               </p:ext>
             </p:extLst>
           </p:nvPr>
         </p:nvGraphicFramePr>
         <p:xfrm>
           <a:off x="560714" y="3145574"/>
-          <a:ext cx="5339754" cy="3296920"/>
+          <a:ext cx="5339754" cy="2748280"/>
         </p:xfrm>
         <a:graphic>
           <a:graphicData uri="http://schemas.openxmlformats.org/drawingml/2006/table">
@@ -4591,26 +4591,6 @@
                           <a:latin typeface="Consolas" panose="020B0609020204030204" pitchFamily="49" charset="0"/>
                           <a:cs typeface="Calibri" panose="020F0502020204030204" pitchFamily="34" charset="0"/>
                         </a:rPr>
-                        <a:t>+width</a:t>
-                      </a:r>
-                    </a:p>
-                    <a:p>
-                      <a:pPr algn="l"/>
-                      <a:r>
-                        <a:rPr lang="en-US" altLang="zh-CN" dirty="0">
-                          <a:latin typeface="Consolas" panose="020B0609020204030204" pitchFamily="49" charset="0"/>
-                          <a:cs typeface="Calibri" panose="020F0502020204030204" pitchFamily="34" charset="0"/>
-                        </a:rPr>
-                        <a:t>+height</a:t>
-                      </a:r>
-                    </a:p>
-                    <a:p>
-                      <a:pPr algn="l"/>
-                      <a:r>
-                        <a:rPr lang="en-US" altLang="zh-CN" dirty="0">
-                          <a:latin typeface="Consolas" panose="020B0609020204030204" pitchFamily="49" charset="0"/>
-                          <a:cs typeface="Calibri" panose="020F0502020204030204" pitchFamily="34" charset="0"/>
-                        </a:rPr>
                         <a:t>+surface</a:t>
                       </a:r>
                     </a:p>
@@ -4959,14 +4939,14 @@
           <p:nvPr>
             <p:extLst>
               <p:ext uri="{D42A27DB-BD31-4B8C-83A1-F6EECF244321}">
-                <p14:modId xmlns:p14="http://schemas.microsoft.com/office/powerpoint/2010/main" val="2576829043"/>
+                <p14:modId xmlns:p14="http://schemas.microsoft.com/office/powerpoint/2010/main" val="1486320897"/>
               </p:ext>
             </p:extLst>
           </p:nvPr>
         </p:nvGraphicFramePr>
         <p:xfrm>
           <a:off x="6205268" y="3145574"/>
-          <a:ext cx="5339754" cy="3291840"/>
+          <a:ext cx="5339754" cy="3017520"/>
         </p:xfrm>
         <a:graphic>
           <a:graphicData uri="http://schemas.openxmlformats.org/drawingml/2006/table">
@@ -5041,26 +5021,6 @@
                           <a:latin typeface="Consolas" panose="020B0609020204030204" pitchFamily="49" charset="0"/>
                           <a:cs typeface="Calibri" panose="020F0502020204030204" pitchFamily="34" charset="0"/>
                         </a:rPr>
-                        <a:t>+width</a:t>
-                      </a:r>
-                    </a:p>
-                    <a:p>
-                      <a:pPr algn="l"/>
-                      <a:r>
-                        <a:rPr lang="en-US" altLang="zh-CN" dirty="0">
-                          <a:latin typeface="Consolas" panose="020B0609020204030204" pitchFamily="49" charset="0"/>
-                          <a:cs typeface="Calibri" panose="020F0502020204030204" pitchFamily="34" charset="0"/>
-                        </a:rPr>
-                        <a:t>+height</a:t>
-                      </a:r>
-                    </a:p>
-                    <a:p>
-                      <a:pPr algn="l"/>
-                      <a:r>
-                        <a:rPr lang="en-US" altLang="zh-CN" dirty="0">
-                          <a:latin typeface="Consolas" panose="020B0609020204030204" pitchFamily="49" charset="0"/>
-                          <a:cs typeface="Calibri" panose="020F0502020204030204" pitchFamily="34" charset="0"/>
-                        </a:rPr>
                         <a:t>+surface</a:t>
                       </a:r>
                     </a:p>
@@ -5512,14 +5472,14 @@
           <p:nvPr>
             <p:extLst>
               <p:ext uri="{D42A27DB-BD31-4B8C-83A1-F6EECF244321}">
-                <p14:modId xmlns:p14="http://schemas.microsoft.com/office/powerpoint/2010/main" val="991289024"/>
+                <p14:modId xmlns:p14="http://schemas.microsoft.com/office/powerpoint/2010/main" val="133078827"/>
               </p:ext>
             </p:extLst>
           </p:nvPr>
         </p:nvGraphicFramePr>
         <p:xfrm>
           <a:off x="6153510" y="596805"/>
-          <a:ext cx="5339754" cy="2204720"/>
+          <a:ext cx="5339754" cy="1656080"/>
         </p:xfrm>
         <a:graphic>
           <a:graphicData uri="http://schemas.openxmlformats.org/drawingml/2006/table">
@@ -5587,26 +5547,6 @@
                   <a:txBody>
                     <a:bodyPr/>
                     <a:lstStyle/>
-                    <a:p>
-                      <a:pPr algn="l"/>
-                      <a:r>
-                        <a:rPr lang="en-US" altLang="zh-CN" dirty="0">
-                          <a:latin typeface="Consolas" panose="020B0609020204030204" pitchFamily="49" charset="0"/>
-                          <a:cs typeface="Calibri" panose="020F0502020204030204" pitchFamily="34" charset="0"/>
-                        </a:rPr>
-                        <a:t>+width</a:t>
-                      </a:r>
-                    </a:p>
-                    <a:p>
-                      <a:pPr algn="l"/>
-                      <a:r>
-                        <a:rPr lang="en-US" altLang="zh-CN" dirty="0">
-                          <a:latin typeface="Consolas" panose="020B0609020204030204" pitchFamily="49" charset="0"/>
-                          <a:cs typeface="Calibri" panose="020F0502020204030204" pitchFamily="34" charset="0"/>
-                        </a:rPr>
-                        <a:t>+height</a:t>
-                      </a:r>
-                    </a:p>
                     <a:p>
                       <a:pPr algn="l"/>
                       <a:r>

--- a/docs/UML.pptx
+++ b/docs/UML.pptx
@@ -3416,14 +3416,14 @@
           <p:nvPr>
             <p:extLst>
               <p:ext uri="{D42A27DB-BD31-4B8C-83A1-F6EECF244321}">
-                <p14:modId xmlns:p14="http://schemas.microsoft.com/office/powerpoint/2010/main" val="3183289683"/>
+                <p14:modId xmlns:p14="http://schemas.microsoft.com/office/powerpoint/2010/main" val="2209296357"/>
               </p:ext>
             </p:extLst>
           </p:nvPr>
         </p:nvGraphicFramePr>
         <p:xfrm>
           <a:off x="2032000" y="719666"/>
-          <a:ext cx="8128000" cy="1112520"/>
+          <a:ext cx="8128000" cy="4394200"/>
         </p:xfrm>
         <a:graphic>
           <a:graphicData uri="http://schemas.openxmlformats.org/drawingml/2006/table">
@@ -3432,16 +3432,23 @@
                 <a:tableStyleId>{5C22544A-7EE6-4342-B048-85BDC9FD1C3A}</a:tableStyleId>
               </a:tblPr>
               <a:tblGrid>
-                <a:gridCol w="8128000">
+                <a:gridCol w="4064000">
                   <a:extLst>
                     <a:ext uri="{9D8B030D-6E8A-4147-A177-3AD203B41FA5}">
                       <a16:colId xmlns:a16="http://schemas.microsoft.com/office/drawing/2014/main" val="2117993999"/>
                     </a:ext>
                   </a:extLst>
                 </a:gridCol>
+                <a:gridCol w="4064000">
+                  <a:extLst>
+                    <a:ext uri="{9D8B030D-6E8A-4147-A177-3AD203B41FA5}">
+                      <a16:colId xmlns:a16="http://schemas.microsoft.com/office/drawing/2014/main" val="4157561557"/>
+                    </a:ext>
+                  </a:extLst>
+                </a:gridCol>
               </a:tblGrid>
               <a:tr h="370840">
-                <a:tc>
+                <a:tc gridSpan="2">
                   <a:txBody>
                     <a:bodyPr/>
                     <a:lstStyle/>
@@ -3459,6 +3466,16 @@
                         <a:latin typeface="Consolas" panose="020B0609020204030204" pitchFamily="49" charset="0"/>
                         <a:cs typeface="Calibri" panose="020F0502020204030204" pitchFamily="34" charset="0"/>
                       </a:endParaRPr>
+                    </a:p>
+                  </a:txBody>
+                  <a:tcPr/>
+                </a:tc>
+                <a:tc hMerge="1">
+                  <a:txBody>
+                    <a:bodyPr/>
+                    <a:lstStyle/>
+                    <a:p>
+                      <a:endParaRPr lang="zh-CN" altLang="en-US"/>
                     </a:p>
                   </a:txBody>
                   <a:tcPr/>
@@ -3475,8 +3492,121 @@
                     <a:bodyPr/>
                     <a:lstStyle/>
                     <a:p>
-                      <a:pPr algn="ctr"/>
-                      <a:endParaRPr lang="zh-CN" altLang="en-US">
+                      <a:pPr algn="l"/>
+                      <a:r>
+                        <a:rPr lang="en-US" altLang="zh-CN" dirty="0">
+                          <a:latin typeface="Consolas" panose="020B0609020204030204" pitchFamily="49" charset="0"/>
+                          <a:cs typeface="Calibri" panose="020F0502020204030204" pitchFamily="34" charset="0"/>
+                        </a:rPr>
+                        <a:t>-</a:t>
+                      </a:r>
+                      <a:r>
+                        <a:rPr lang="en-US" altLang="zh-CN" dirty="0" err="1">
+                          <a:latin typeface="Consolas" panose="020B0609020204030204" pitchFamily="49" charset="0"/>
+                          <a:cs typeface="Calibri" panose="020F0502020204030204" pitchFamily="34" charset="0"/>
+                        </a:rPr>
+                        <a:t>win_width</a:t>
+                      </a:r>
+                      <a:endParaRPr lang="en-US" altLang="zh-CN" dirty="0">
+                        <a:latin typeface="Consolas" panose="020B0609020204030204" pitchFamily="49" charset="0"/>
+                        <a:cs typeface="Calibri" panose="020F0502020204030204" pitchFamily="34" charset="0"/>
+                      </a:endParaRPr>
+                    </a:p>
+                    <a:p>
+                      <a:pPr algn="l"/>
+                      <a:r>
+                        <a:rPr lang="en-US" altLang="zh-CN" dirty="0">
+                          <a:latin typeface="Consolas" panose="020B0609020204030204" pitchFamily="49" charset="0"/>
+                          <a:cs typeface="Calibri" panose="020F0502020204030204" pitchFamily="34" charset="0"/>
+                        </a:rPr>
+                        <a:t>-</a:t>
+                      </a:r>
+                      <a:r>
+                        <a:rPr lang="en-US" altLang="zh-CN" dirty="0" err="1">
+                          <a:latin typeface="Consolas" panose="020B0609020204030204" pitchFamily="49" charset="0"/>
+                          <a:cs typeface="Calibri" panose="020F0502020204030204" pitchFamily="34" charset="0"/>
+                        </a:rPr>
+                        <a:t>win_height</a:t>
+                      </a:r>
+                      <a:endParaRPr lang="en-US" altLang="zh-CN" dirty="0">
+                        <a:latin typeface="Consolas" panose="020B0609020204030204" pitchFamily="49" charset="0"/>
+                        <a:cs typeface="Calibri" panose="020F0502020204030204" pitchFamily="34" charset="0"/>
+                      </a:endParaRPr>
+                    </a:p>
+                    <a:p>
+                      <a:pPr algn="l"/>
+                      <a:r>
+                        <a:rPr lang="en-US" altLang="zh-CN" dirty="0">
+                          <a:latin typeface="Consolas" panose="020B0609020204030204" pitchFamily="49" charset="0"/>
+                          <a:cs typeface="Calibri" panose="020F0502020204030204" pitchFamily="34" charset="0"/>
+                        </a:rPr>
+                        <a:t>+</a:t>
+                      </a:r>
+                      <a:r>
+                        <a:rPr lang="en-US" altLang="zh-CN" dirty="0" err="1">
+                          <a:latin typeface="Consolas" panose="020B0609020204030204" pitchFamily="49" charset="0"/>
+                          <a:cs typeface="Calibri" panose="020F0502020204030204" pitchFamily="34" charset="0"/>
+                        </a:rPr>
+                        <a:t>is_full_screen</a:t>
+                      </a:r>
+                      <a:endParaRPr lang="en-US" altLang="zh-CN" dirty="0">
+                        <a:latin typeface="Consolas" panose="020B0609020204030204" pitchFamily="49" charset="0"/>
+                        <a:cs typeface="Calibri" panose="020F0502020204030204" pitchFamily="34" charset="0"/>
+                      </a:endParaRPr>
+                    </a:p>
+                    <a:p>
+                      <a:pPr algn="l"/>
+                      <a:r>
+                        <a:rPr lang="en-US" altLang="zh-CN" dirty="0">
+                          <a:latin typeface="Consolas" panose="020B0609020204030204" pitchFamily="49" charset="0"/>
+                          <a:cs typeface="Calibri" panose="020F0502020204030204" pitchFamily="34" charset="0"/>
+                        </a:rPr>
+                        <a:t>+screen</a:t>
+                      </a:r>
+                    </a:p>
+                  </a:txBody>
+                  <a:tcPr/>
+                </a:tc>
+                <a:tc>
+                  <a:txBody>
+                    <a:bodyPr/>
+                    <a:lstStyle/>
+                    <a:p>
+                      <a:pPr algn="l"/>
+                      <a:r>
+                        <a:rPr lang="en-US" altLang="zh-CN" dirty="0">
+                          <a:solidFill>
+                            <a:srgbClr val="FF0000"/>
+                          </a:solidFill>
+                          <a:latin typeface="Consolas" panose="020B0609020204030204" pitchFamily="49" charset="0"/>
+                          <a:cs typeface="Calibri" panose="020F0502020204030204" pitchFamily="34" charset="0"/>
+                        </a:rPr>
+                        <a:t>+clock</a:t>
+                      </a:r>
+                    </a:p>
+                    <a:p>
+                      <a:pPr algn="l"/>
+                      <a:r>
+                        <a:rPr lang="en-US" altLang="zh-CN" dirty="0">
+                          <a:solidFill>
+                            <a:srgbClr val="FF0000"/>
+                          </a:solidFill>
+                          <a:latin typeface="Consolas" panose="020B0609020204030204" pitchFamily="49" charset="0"/>
+                          <a:cs typeface="Calibri" panose="020F0502020204030204" pitchFamily="34" charset="0"/>
+                        </a:rPr>
+                        <a:t>+fps</a:t>
+                      </a:r>
+                      <a:endParaRPr lang="zh-CN" altLang="en-US" dirty="0">
+                        <a:solidFill>
+                          <a:srgbClr val="FF0000"/>
+                        </a:solidFill>
+                        <a:latin typeface="Consolas" panose="020B0609020204030204" pitchFamily="49" charset="0"/>
+                        <a:cs typeface="Calibri" panose="020F0502020204030204" pitchFamily="34" charset="0"/>
+                      </a:endParaRPr>
+                    </a:p>
+                    <a:p>
+                      <a:pPr algn="l"/>
+                      <a:endParaRPr lang="zh-CN" altLang="en-US" dirty="0">
                         <a:latin typeface="Consolas" panose="020B0609020204030204" pitchFamily="49" charset="0"/>
                         <a:cs typeface="Calibri" panose="020F0502020204030204" pitchFamily="34" charset="0"/>
                       </a:endParaRPr>
@@ -3496,7 +3626,334 @@
                     <a:bodyPr/>
                     <a:lstStyle/>
                     <a:p>
-                      <a:pPr algn="ctr"/>
+                      <a:pPr algn="l"/>
+                      <a:r>
+                        <a:rPr lang="en-US" altLang="zh-CN" dirty="0">
+                          <a:latin typeface="Consolas" panose="020B0609020204030204" pitchFamily="49" charset="0"/>
+                          <a:cs typeface="Calibri" panose="020F0502020204030204" pitchFamily="34" charset="0"/>
+                        </a:rPr>
+                        <a:t>+</a:t>
+                      </a:r>
+                      <a:r>
+                        <a:rPr lang="en-US" altLang="zh-CN" dirty="0" err="1">
+                          <a:latin typeface="Consolas" panose="020B0609020204030204" pitchFamily="49" charset="0"/>
+                          <a:cs typeface="Calibri" panose="020F0502020204030204" pitchFamily="34" charset="0"/>
+                        </a:rPr>
+                        <a:t>clear_scr_without_update</a:t>
+                      </a:r>
+                      <a:endParaRPr lang="en-US" altLang="zh-CN" dirty="0">
+                        <a:latin typeface="Consolas" panose="020B0609020204030204" pitchFamily="49" charset="0"/>
+                        <a:cs typeface="Calibri" panose="020F0502020204030204" pitchFamily="34" charset="0"/>
+                      </a:endParaRPr>
+                    </a:p>
+                    <a:p>
+                      <a:pPr algn="l"/>
+                      <a:r>
+                        <a:rPr lang="en-US" altLang="zh-CN" dirty="0">
+                          <a:latin typeface="Consolas" panose="020B0609020204030204" pitchFamily="49" charset="0"/>
+                          <a:cs typeface="Calibri" panose="020F0502020204030204" pitchFamily="34" charset="0"/>
+                        </a:rPr>
+                        <a:t>+</a:t>
+                      </a:r>
+                      <a:r>
+                        <a:rPr lang="en-US" altLang="zh-CN" dirty="0" err="1">
+                          <a:latin typeface="Consolas" panose="020B0609020204030204" pitchFamily="49" charset="0"/>
+                          <a:cs typeface="Calibri" panose="020F0502020204030204" pitchFamily="34" charset="0"/>
+                        </a:rPr>
+                        <a:t>clear_scr_with_update</a:t>
+                      </a:r>
+                      <a:endParaRPr lang="en-US" altLang="zh-CN" dirty="0">
+                        <a:latin typeface="Consolas" panose="020B0609020204030204" pitchFamily="49" charset="0"/>
+                        <a:cs typeface="Calibri" panose="020F0502020204030204" pitchFamily="34" charset="0"/>
+                      </a:endParaRPr>
+                    </a:p>
+                    <a:p>
+                      <a:pPr algn="l"/>
+                      <a:r>
+                        <a:rPr lang="en-US" altLang="zh-CN" dirty="0">
+                          <a:latin typeface="Consolas" panose="020B0609020204030204" pitchFamily="49" charset="0"/>
+                          <a:cs typeface="Calibri" panose="020F0502020204030204" pitchFamily="34" charset="0"/>
+                        </a:rPr>
+                        <a:t>+</a:t>
+                      </a:r>
+                      <a:r>
+                        <a:rPr lang="en-US" altLang="zh-CN" dirty="0" err="1">
+                          <a:latin typeface="Consolas" panose="020B0609020204030204" pitchFamily="49" charset="0"/>
+                          <a:cs typeface="Calibri" panose="020F0502020204030204" pitchFamily="34" charset="0"/>
+                        </a:rPr>
+                        <a:t>update_global</a:t>
+                      </a:r>
+                      <a:endParaRPr lang="en-US" altLang="zh-CN" dirty="0">
+                        <a:latin typeface="Consolas" panose="020B0609020204030204" pitchFamily="49" charset="0"/>
+                        <a:cs typeface="Calibri" panose="020F0502020204030204" pitchFamily="34" charset="0"/>
+                      </a:endParaRPr>
+                    </a:p>
+                    <a:p>
+                      <a:pPr algn="l"/>
+                      <a:r>
+                        <a:rPr lang="en-US" altLang="zh-CN" dirty="0">
+                          <a:latin typeface="Consolas" panose="020B0609020204030204" pitchFamily="49" charset="0"/>
+                          <a:cs typeface="Calibri" panose="020F0502020204030204" pitchFamily="34" charset="0"/>
+                        </a:rPr>
+                        <a:t>+</a:t>
+                      </a:r>
+                      <a:r>
+                        <a:rPr lang="en-US" altLang="zh-CN" dirty="0" err="1">
+                          <a:latin typeface="Consolas" panose="020B0609020204030204" pitchFamily="49" charset="0"/>
+                          <a:cs typeface="Calibri" panose="020F0502020204030204" pitchFamily="34" charset="0"/>
+                        </a:rPr>
+                        <a:t>update_local_area</a:t>
+                      </a:r>
+                      <a:endParaRPr lang="en-US" altLang="zh-CN" dirty="0">
+                        <a:latin typeface="Consolas" panose="020B0609020204030204" pitchFamily="49" charset="0"/>
+                        <a:cs typeface="Calibri" panose="020F0502020204030204" pitchFamily="34" charset="0"/>
+                      </a:endParaRPr>
+                    </a:p>
+                    <a:p>
+                      <a:pPr algn="l"/>
+                      <a:r>
+                        <a:rPr lang="en-US" altLang="zh-CN" dirty="0">
+                          <a:latin typeface="Consolas" panose="020B0609020204030204" pitchFamily="49" charset="0"/>
+                          <a:cs typeface="Calibri" panose="020F0502020204030204" pitchFamily="34" charset="0"/>
+                        </a:rPr>
+                        <a:t>+</a:t>
+                      </a:r>
+                      <a:r>
+                        <a:rPr lang="en-US" altLang="zh-CN" dirty="0" err="1">
+                          <a:latin typeface="Consolas" panose="020B0609020204030204" pitchFamily="49" charset="0"/>
+                          <a:cs typeface="Calibri" panose="020F0502020204030204" pitchFamily="34" charset="0"/>
+                        </a:rPr>
+                        <a:t>toggle_fullscreen</a:t>
+                      </a:r>
+                      <a:endParaRPr lang="en-US" altLang="zh-CN" dirty="0">
+                        <a:latin typeface="Consolas" panose="020B0609020204030204" pitchFamily="49" charset="0"/>
+                        <a:cs typeface="Calibri" panose="020F0502020204030204" pitchFamily="34" charset="0"/>
+                      </a:endParaRPr>
+                    </a:p>
+                    <a:p>
+                      <a:pPr algn="l"/>
+                      <a:r>
+                        <a:rPr lang="en-US" altLang="zh-CN" dirty="0">
+                          <a:latin typeface="Consolas" panose="020B0609020204030204" pitchFamily="49" charset="0"/>
+                          <a:cs typeface="Calibri" panose="020F0502020204030204" pitchFamily="34" charset="0"/>
+                        </a:rPr>
+                        <a:t>+</a:t>
+                      </a:r>
+                      <a:r>
+                        <a:rPr lang="en-US" altLang="zh-CN" dirty="0" err="1">
+                          <a:latin typeface="Consolas" panose="020B0609020204030204" pitchFamily="49" charset="0"/>
+                          <a:cs typeface="Calibri" panose="020F0502020204030204" pitchFamily="34" charset="0"/>
+                        </a:rPr>
+                        <a:t>toggle_resolution</a:t>
+                      </a:r>
+                      <a:endParaRPr lang="zh-CN" altLang="en-US" dirty="0">
+                        <a:latin typeface="Consolas" panose="020B0609020204030204" pitchFamily="49" charset="0"/>
+                        <a:cs typeface="Calibri" panose="020F0502020204030204" pitchFamily="34" charset="0"/>
+                      </a:endParaRPr>
+                    </a:p>
+                  </a:txBody>
+                  <a:tcPr/>
+                </a:tc>
+                <a:tc>
+                  <a:txBody>
+                    <a:bodyPr/>
+                    <a:lstStyle/>
+                    <a:p>
+                      <a:pPr algn="l"/>
+                      <a:r>
+                        <a:rPr lang="en-US" altLang="zh-CN" dirty="0">
+                          <a:latin typeface="Consolas" panose="020B0609020204030204" pitchFamily="49" charset="0"/>
+                          <a:cs typeface="Calibri" panose="020F0502020204030204" pitchFamily="34" charset="0"/>
+                        </a:rPr>
+                        <a:t>+</a:t>
+                      </a:r>
+                      <a:r>
+                        <a:rPr lang="en-US" altLang="zh-CN" dirty="0">
+                          <a:solidFill>
+                            <a:srgbClr val="FF0000"/>
+                          </a:solidFill>
+                          <a:latin typeface="Consolas" panose="020B0609020204030204" pitchFamily="49" charset="0"/>
+                          <a:cs typeface="Calibri" panose="020F0502020204030204" pitchFamily="34" charset="0"/>
+                        </a:rPr>
+                        <a:t>tick</a:t>
+                      </a:r>
+                    </a:p>
+                    <a:p>
+                      <a:pPr algn="l"/>
+                      <a:r>
+                        <a:rPr lang="en-US" altLang="zh-CN" dirty="0">
+                          <a:latin typeface="Consolas" panose="020B0609020204030204" pitchFamily="49" charset="0"/>
+                          <a:cs typeface="Calibri" panose="020F0502020204030204" pitchFamily="34" charset="0"/>
+                        </a:rPr>
+                        <a:t>+center</a:t>
+                      </a:r>
+                    </a:p>
+                    <a:p>
+                      <a:pPr algn="l"/>
+                      <a:r>
+                        <a:rPr lang="en-US" altLang="zh-CN" dirty="0">
+                          <a:latin typeface="Consolas" panose="020B0609020204030204" pitchFamily="49" charset="0"/>
+                          <a:cs typeface="Calibri" panose="020F0502020204030204" pitchFamily="34" charset="0"/>
+                        </a:rPr>
+                        <a:t>+resolution</a:t>
+                      </a:r>
+                    </a:p>
+                    <a:p>
+                      <a:pPr algn="l"/>
+                      <a:r>
+                        <a:rPr lang="en-US" altLang="zh-CN" dirty="0">
+                          <a:latin typeface="Consolas" panose="020B0609020204030204" pitchFamily="49" charset="0"/>
+                          <a:cs typeface="Calibri" panose="020F0502020204030204" pitchFamily="34" charset="0"/>
+                        </a:rPr>
+                        <a:t>+</a:t>
+                      </a:r>
+                      <a:r>
+                        <a:rPr lang="en-US" altLang="zh-CN" dirty="0" err="1">
+                          <a:latin typeface="Consolas" panose="020B0609020204030204" pitchFamily="49" charset="0"/>
+                          <a:cs typeface="Calibri" panose="020F0502020204030204" pitchFamily="34" charset="0"/>
+                        </a:rPr>
+                        <a:t>win_height</a:t>
+                      </a:r>
+                      <a:endParaRPr lang="en-US" altLang="zh-CN" dirty="0">
+                        <a:latin typeface="Consolas" panose="020B0609020204030204" pitchFamily="49" charset="0"/>
+                        <a:cs typeface="Calibri" panose="020F0502020204030204" pitchFamily="34" charset="0"/>
+                      </a:endParaRPr>
+                    </a:p>
+                    <a:p>
+                      <a:pPr algn="l"/>
+                      <a:r>
+                        <a:rPr lang="en-US" altLang="zh-CN" dirty="0">
+                          <a:latin typeface="Consolas" panose="020B0609020204030204" pitchFamily="49" charset="0"/>
+                          <a:cs typeface="Calibri" panose="020F0502020204030204" pitchFamily="34" charset="0"/>
+                        </a:rPr>
+                        <a:t>+</a:t>
+                      </a:r>
+                      <a:r>
+                        <a:rPr lang="en-US" altLang="zh-CN" dirty="0" err="1">
+                          <a:latin typeface="Consolas" panose="020B0609020204030204" pitchFamily="49" charset="0"/>
+                          <a:cs typeface="Calibri" panose="020F0502020204030204" pitchFamily="34" charset="0"/>
+                        </a:rPr>
+                        <a:t>win_width</a:t>
+                      </a:r>
+                      <a:endParaRPr lang="en-US" altLang="zh-CN" dirty="0">
+                        <a:latin typeface="Consolas" panose="020B0609020204030204" pitchFamily="49" charset="0"/>
+                        <a:cs typeface="Calibri" panose="020F0502020204030204" pitchFamily="34" charset="0"/>
+                      </a:endParaRPr>
+                    </a:p>
+                    <a:p>
+                      <a:pPr algn="l"/>
+                      <a:r>
+                        <a:rPr lang="en-US" altLang="zh-CN" dirty="0">
+                          <a:latin typeface="Consolas" panose="020B0609020204030204" pitchFamily="49" charset="0"/>
+                          <a:cs typeface="Calibri" panose="020F0502020204030204" pitchFamily="34" charset="0"/>
+                        </a:rPr>
+                        <a:t>+</a:t>
+                      </a:r>
+                      <a:r>
+                        <a:rPr lang="en-US" altLang="zh-CN" dirty="0" err="1">
+                          <a:latin typeface="Consolas" panose="020B0609020204030204" pitchFamily="49" charset="0"/>
+                          <a:cs typeface="Calibri" panose="020F0502020204030204" pitchFamily="34" charset="0"/>
+                        </a:rPr>
+                        <a:t>font_size_normal</a:t>
+                      </a:r>
+                      <a:endParaRPr lang="en-US" altLang="zh-CN" dirty="0">
+                        <a:latin typeface="Consolas" panose="020B0609020204030204" pitchFamily="49" charset="0"/>
+                        <a:cs typeface="Calibri" panose="020F0502020204030204" pitchFamily="34" charset="0"/>
+                      </a:endParaRPr>
+                    </a:p>
+                    <a:p>
+                      <a:pPr algn="l"/>
+                      <a:r>
+                        <a:rPr lang="en-US" altLang="zh-CN" dirty="0">
+                          <a:latin typeface="Consolas" panose="020B0609020204030204" pitchFamily="49" charset="0"/>
+                          <a:cs typeface="Calibri" panose="020F0502020204030204" pitchFamily="34" charset="0"/>
+                        </a:rPr>
+                        <a:t>+</a:t>
+                      </a:r>
+                      <a:r>
+                        <a:rPr lang="en-US" altLang="zh-CN" dirty="0" err="1">
+                          <a:latin typeface="Consolas" panose="020B0609020204030204" pitchFamily="49" charset="0"/>
+                          <a:cs typeface="Calibri" panose="020F0502020204030204" pitchFamily="34" charset="0"/>
+                        </a:rPr>
+                        <a:t>font_size_large</a:t>
+                      </a:r>
+                      <a:endParaRPr lang="en-US" altLang="zh-CN" dirty="0">
+                        <a:latin typeface="Consolas" panose="020B0609020204030204" pitchFamily="49" charset="0"/>
+                        <a:cs typeface="Calibri" panose="020F0502020204030204" pitchFamily="34" charset="0"/>
+                      </a:endParaRPr>
+                    </a:p>
+                    <a:p>
+                      <a:pPr algn="l"/>
+                      <a:r>
+                        <a:rPr lang="en-US" altLang="zh-CN" dirty="0">
+                          <a:latin typeface="Consolas" panose="020B0609020204030204" pitchFamily="49" charset="0"/>
+                          <a:cs typeface="Calibri" panose="020F0502020204030204" pitchFamily="34" charset="0"/>
+                        </a:rPr>
+                        <a:t>+</a:t>
+                      </a:r>
+                      <a:r>
+                        <a:rPr lang="en-US" altLang="zh-CN" dirty="0" err="1">
+                          <a:latin typeface="Consolas" panose="020B0609020204030204" pitchFamily="49" charset="0"/>
+                          <a:cs typeface="Calibri" panose="020F0502020204030204" pitchFamily="34" charset="0"/>
+                        </a:rPr>
+                        <a:t>default_line_distance</a:t>
+                      </a:r>
+                      <a:endParaRPr lang="en-US" altLang="zh-CN" dirty="0">
+                        <a:latin typeface="Consolas" panose="020B0609020204030204" pitchFamily="49" charset="0"/>
+                        <a:cs typeface="Calibri" panose="020F0502020204030204" pitchFamily="34" charset="0"/>
+                      </a:endParaRPr>
+                    </a:p>
+                    <a:p>
+                      <a:pPr algn="l"/>
+                      <a:r>
+                        <a:rPr lang="en-US" altLang="zh-CN" dirty="0">
+                          <a:latin typeface="Consolas" panose="020B0609020204030204" pitchFamily="49" charset="0"/>
+                          <a:cs typeface="Calibri" panose="020F0502020204030204" pitchFamily="34" charset="0"/>
+                        </a:rPr>
+                        <a:t>+</a:t>
+                      </a:r>
+                      <a:r>
+                        <a:rPr lang="en-US" altLang="zh-CN" dirty="0" err="1">
+                          <a:latin typeface="Consolas" panose="020B0609020204030204" pitchFamily="49" charset="0"/>
+                          <a:cs typeface="Calibri" panose="020F0502020204030204" pitchFamily="34" charset="0"/>
+                        </a:rPr>
+                        <a:t>default_border_thickness</a:t>
+                      </a:r>
+                      <a:endParaRPr lang="en-US" altLang="zh-CN" dirty="0">
+                        <a:latin typeface="Consolas" panose="020B0609020204030204" pitchFamily="49" charset="0"/>
+                        <a:cs typeface="Calibri" panose="020F0502020204030204" pitchFamily="34" charset="0"/>
+                      </a:endParaRPr>
+                    </a:p>
+                    <a:p>
+                      <a:pPr algn="l"/>
+                      <a:r>
+                        <a:rPr lang="en-US" altLang="zh-CN" dirty="0">
+                          <a:latin typeface="Consolas" panose="020B0609020204030204" pitchFamily="49" charset="0"/>
+                          <a:cs typeface="Calibri" panose="020F0502020204030204" pitchFamily="34" charset="0"/>
+                        </a:rPr>
+                        <a:t>+</a:t>
+                      </a:r>
+                      <a:r>
+                        <a:rPr lang="en-US" altLang="zh-CN" dirty="0" err="1">
+                          <a:latin typeface="Consolas" panose="020B0609020204030204" pitchFamily="49" charset="0"/>
+                          <a:cs typeface="Calibri" panose="020F0502020204030204" pitchFamily="34" charset="0"/>
+                        </a:rPr>
+                        <a:t>default_</a:t>
+                      </a:r>
+                      <a:r>
+                        <a:rPr lang="en-US" altLang="zh-CN" err="1">
+                          <a:latin typeface="Consolas" panose="020B0609020204030204" pitchFamily="49" charset="0"/>
+                          <a:cs typeface="Calibri" panose="020F0502020204030204" pitchFamily="34" charset="0"/>
+                        </a:rPr>
+                        <a:t>border</a:t>
+                      </a:r>
+                      <a:r>
+                        <a:rPr lang="en-US" altLang="zh-CN">
+                          <a:latin typeface="Consolas" panose="020B0609020204030204" pitchFamily="49" charset="0"/>
+                          <a:cs typeface="Calibri" panose="020F0502020204030204" pitchFamily="34" charset="0"/>
+                        </a:rPr>
+                        <a:t>_radius</a:t>
+                      </a:r>
                       <a:endParaRPr lang="zh-CN" altLang="en-US" dirty="0">
                         <a:latin typeface="Consolas" panose="020B0609020204030204" pitchFamily="49" charset="0"/>
                         <a:cs typeface="Calibri" panose="020F0502020204030204" pitchFamily="34" charset="0"/>

--- a/docs/UML.pptx
+++ b/docs/UML.pptx
@@ -4087,7 +4087,7 @@
           <p:nvPr>
             <p:extLst>
               <p:ext uri="{D42A27DB-BD31-4B8C-83A1-F6EECF244321}">
-                <p14:modId xmlns:p14="http://schemas.microsoft.com/office/powerpoint/2010/main" val="1953475911"/>
+                <p14:modId xmlns:p14="http://schemas.microsoft.com/office/powerpoint/2010/main" val="378076017"/>
               </p:ext>
             </p:extLst>
           </p:nvPr>
@@ -4629,6 +4629,54 @@
                       </a:r>
                       <a:r>
                         <a:rPr lang="en-US" altLang="zh-CN" dirty="0">
+                          <a:latin typeface="Consolas" panose="020B0609020204030204" pitchFamily="49" charset="0"/>
+                          <a:cs typeface="Calibri" panose="020F0502020204030204" pitchFamily="34" charset="0"/>
+                        </a:rPr>
+                        <a:t>()</a:t>
+                      </a:r>
+                    </a:p>
+                    <a:p>
+                      <a:pPr algn="l"/>
+                      <a:r>
+                        <a:rPr lang="en-US" altLang="zh-CN" dirty="0">
+                          <a:latin typeface="Consolas" panose="020B0609020204030204" pitchFamily="49" charset="0"/>
+                          <a:cs typeface="Calibri" panose="020F0502020204030204" pitchFamily="34" charset="0"/>
+                        </a:rPr>
+                        <a:t>+</a:t>
+                      </a:r>
+                      <a:r>
+                        <a:rPr lang="en-US" altLang="zh-CN" dirty="0" err="1">
+                          <a:latin typeface="Consolas" panose="020B0609020204030204" pitchFamily="49" charset="0"/>
+                          <a:cs typeface="Calibri" panose="020F0502020204030204" pitchFamily="34" charset="0"/>
+                        </a:rPr>
+                        <a:t>SSR_probability</a:t>
+                      </a:r>
+                      <a:r>
+                        <a:rPr lang="en-US" altLang="zh-CN" dirty="0">
+                          <a:latin typeface="Consolas" panose="020B0609020204030204" pitchFamily="49" charset="0"/>
+                          <a:cs typeface="Calibri" panose="020F0502020204030204" pitchFamily="34" charset="0"/>
+                        </a:rPr>
+                        <a:t>()</a:t>
+                      </a:r>
+                    </a:p>
+                    <a:p>
+                      <a:pPr algn="l"/>
+                      <a:r>
+                        <a:rPr lang="en-US" altLang="zh-CN" dirty="0">
+                          <a:latin typeface="Consolas" panose="020B0609020204030204" pitchFamily="49" charset="0"/>
+                          <a:cs typeface="Calibri" panose="020F0502020204030204" pitchFamily="34" charset="0"/>
+                        </a:rPr>
+                        <a:t>+</a:t>
+                      </a:r>
+                      <a:r>
+                        <a:rPr lang="en-US" altLang="zh-CN" dirty="0" err="1">
+                          <a:latin typeface="Consolas" panose="020B0609020204030204" pitchFamily="49" charset="0"/>
+                          <a:cs typeface="Calibri" panose="020F0502020204030204" pitchFamily="34" charset="0"/>
+                        </a:rPr>
+                        <a:t>SUPPLY_probability</a:t>
+                      </a:r>
+                      <a:r>
+                        <a:rPr lang="en-US" altLang="zh-CN">
                           <a:latin typeface="Consolas" panose="020B0609020204030204" pitchFamily="49" charset="0"/>
                           <a:cs typeface="Calibri" panose="020F0502020204030204" pitchFamily="34" charset="0"/>
                         </a:rPr>
@@ -4966,14 +5014,14 @@
           <p:nvPr>
             <p:extLst>
               <p:ext uri="{D42A27DB-BD31-4B8C-83A1-F6EECF244321}">
-                <p14:modId xmlns:p14="http://schemas.microsoft.com/office/powerpoint/2010/main" val="867891701"/>
+                <p14:modId xmlns:p14="http://schemas.microsoft.com/office/powerpoint/2010/main" val="1352353285"/>
               </p:ext>
             </p:extLst>
           </p:nvPr>
         </p:nvGraphicFramePr>
         <p:xfrm>
           <a:off x="560714" y="3145574"/>
-          <a:ext cx="5339754" cy="2748280"/>
+          <a:ext cx="5339754" cy="3296920"/>
         </p:xfrm>
         <a:graphic>
           <a:graphicData uri="http://schemas.openxmlformats.org/drawingml/2006/table">
@@ -5193,6 +5241,72 @@
                     </a:p>
                     <a:p>
                       <a:pPr algn="l"/>
+                      <a:r>
+                        <a:rPr lang="en-US" altLang="zh-CN" dirty="0">
+                          <a:latin typeface="Consolas" panose="020B0609020204030204" pitchFamily="49" charset="0"/>
+                          <a:cs typeface="Calibri" panose="020F0502020204030204" pitchFamily="34" charset="0"/>
+                        </a:rPr>
+                        <a:t>+day</a:t>
+                      </a:r>
+                    </a:p>
+                    <a:p>
+                      <a:pPr algn="l"/>
+                      <a:r>
+                        <a:rPr lang="en-US" altLang="zh-CN" dirty="0">
+                          <a:latin typeface="Consolas" panose="020B0609020204030204" pitchFamily="49" charset="0"/>
+                          <a:cs typeface="Calibri" panose="020F0502020204030204" pitchFamily="34" charset="0"/>
+                        </a:rPr>
+                        <a:t>+</a:t>
+                      </a:r>
+                      <a:r>
+                        <a:rPr lang="en-US" altLang="zh-CN" dirty="0" err="1">
+                          <a:latin typeface="Consolas" panose="020B0609020204030204" pitchFamily="49" charset="0"/>
+                          <a:cs typeface="Calibri" panose="020F0502020204030204" pitchFamily="34" charset="0"/>
+                        </a:rPr>
+                        <a:t>money_value</a:t>
+                      </a:r>
+                      <a:endParaRPr lang="en-US" altLang="zh-CN" dirty="0">
+                        <a:latin typeface="Consolas" panose="020B0609020204030204" pitchFamily="49" charset="0"/>
+                        <a:cs typeface="Calibri" panose="020F0502020204030204" pitchFamily="34" charset="0"/>
+                      </a:endParaRPr>
+                    </a:p>
+                    <a:p>
+                      <a:pPr algn="l"/>
+                      <a:r>
+                        <a:rPr lang="en-US" altLang="zh-CN" dirty="0">
+                          <a:latin typeface="Consolas" panose="020B0609020204030204" pitchFamily="49" charset="0"/>
+                          <a:cs typeface="Calibri" panose="020F0502020204030204" pitchFamily="34" charset="0"/>
+                        </a:rPr>
+                        <a:t>+</a:t>
+                      </a:r>
+                      <a:r>
+                        <a:rPr lang="en-US" altLang="zh-CN" dirty="0" err="1">
+                          <a:latin typeface="Consolas" panose="020B0609020204030204" pitchFamily="49" charset="0"/>
+                          <a:cs typeface="Calibri" panose="020F0502020204030204" pitchFamily="34" charset="0"/>
+                        </a:rPr>
+                        <a:t>HP_value</a:t>
+                      </a:r>
+                      <a:endParaRPr lang="en-US" altLang="zh-CN" dirty="0">
+                        <a:latin typeface="Consolas" panose="020B0609020204030204" pitchFamily="49" charset="0"/>
+                        <a:cs typeface="Calibri" panose="020F0502020204030204" pitchFamily="34" charset="0"/>
+                      </a:endParaRPr>
+                    </a:p>
+                    <a:p>
+                      <a:pPr algn="l"/>
+                      <a:r>
+                        <a:rPr lang="en-US" altLang="zh-CN" dirty="0">
+                          <a:latin typeface="Consolas" panose="020B0609020204030204" pitchFamily="49" charset="0"/>
+                          <a:cs typeface="Calibri" panose="020F0502020204030204" pitchFamily="34" charset="0"/>
+                        </a:rPr>
+                        <a:t>+</a:t>
+                      </a:r>
+                      <a:r>
+                        <a:rPr lang="en-US" altLang="zh-CN" dirty="0" err="1">
+                          <a:latin typeface="Consolas" panose="020B0609020204030204" pitchFamily="49" charset="0"/>
+                          <a:cs typeface="Calibri" panose="020F0502020204030204" pitchFamily="34" charset="0"/>
+                        </a:rPr>
+                        <a:t>MP_value</a:t>
+                      </a:r>
                       <a:endParaRPr lang="zh-CN" altLang="en-US" dirty="0">
                         <a:latin typeface="Consolas" panose="020B0609020204030204" pitchFamily="49" charset="0"/>
                         <a:cs typeface="Calibri" panose="020F0502020204030204" pitchFamily="34" charset="0"/>
@@ -5396,14 +5510,14 @@
           <p:nvPr>
             <p:extLst>
               <p:ext uri="{D42A27DB-BD31-4B8C-83A1-F6EECF244321}">
-                <p14:modId xmlns:p14="http://schemas.microsoft.com/office/powerpoint/2010/main" val="1486320897"/>
+                <p14:modId xmlns:p14="http://schemas.microsoft.com/office/powerpoint/2010/main" val="1842602909"/>
               </p:ext>
             </p:extLst>
           </p:nvPr>
         </p:nvGraphicFramePr>
         <p:xfrm>
           <a:off x="6205268" y="3145574"/>
-          <a:ext cx="5339754" cy="3017520"/>
+          <a:ext cx="5339754" cy="3291840"/>
         </p:xfrm>
         <a:graphic>
           <a:graphicData uri="http://schemas.openxmlformats.org/drawingml/2006/table">
@@ -5806,6 +5920,46 @@
                         </a:rPr>
                         <a:t>()</a:t>
                       </a:r>
+                    </a:p>
+                    <a:p>
+                      <a:pPr marL="0" marR="0" lvl="0" indent="0" algn="l" defTabSz="914400" rtl="0" eaLnBrk="1" fontAlgn="auto" latinLnBrk="0" hangingPunct="1">
+                        <a:lnSpc>
+                          <a:spcPct val="100000"/>
+                        </a:lnSpc>
+                        <a:spcBef>
+                          <a:spcPts val="0"/>
+                        </a:spcBef>
+                        <a:spcAft>
+                          <a:spcPts val="0"/>
+                        </a:spcAft>
+                        <a:buClrTx/>
+                        <a:buSzTx/>
+                        <a:buFontTx/>
+                        <a:buNone/>
+                        <a:tabLst/>
+                        <a:defRPr/>
+                      </a:pPr>
+                      <a:r>
+                        <a:rPr lang="en-US" altLang="zh-CN" dirty="0">
+                          <a:latin typeface="Consolas" panose="020B0609020204030204" pitchFamily="49" charset="0"/>
+                          <a:cs typeface="Calibri" panose="020F0502020204030204" pitchFamily="34" charset="0"/>
+                        </a:rPr>
+                        <a:t>-</a:t>
+                      </a:r>
+                      <a:r>
+                        <a:rPr lang="en-US" altLang="zh-CN" dirty="0" err="1">
+                          <a:latin typeface="Consolas" panose="020B0609020204030204" pitchFamily="49" charset="0"/>
+                          <a:cs typeface="Calibri" panose="020F0502020204030204" pitchFamily="34" charset="0"/>
+                        </a:rPr>
+                        <a:t>draw_items</a:t>
+                      </a:r>
+                      <a:r>
+                        <a:rPr lang="en-US" altLang="zh-CN" dirty="0">
+                          <a:latin typeface="Consolas" panose="020B0609020204030204" pitchFamily="49" charset="0"/>
+                          <a:cs typeface="Calibri" panose="020F0502020204030204" pitchFamily="34" charset="0"/>
+                        </a:rPr>
+                        <a:t>()</a:t>
+                      </a:r>
                       <a:endParaRPr lang="zh-CN" altLang="en-US" dirty="0">
                         <a:latin typeface="Consolas" panose="020B0609020204030204" pitchFamily="49" charset="0"/>
                         <a:cs typeface="Calibri" panose="020F0502020204030204" pitchFamily="34" charset="0"/>
@@ -5833,30 +5987,6 @@
                           <a:cs typeface="Calibri" panose="020F0502020204030204" pitchFamily="34" charset="0"/>
                         </a:rPr>
                         <a:t>+color()</a:t>
-                      </a:r>
-                    </a:p>
-                    <a:p>
-                      <a:pPr algn="l"/>
-                      <a:r>
-                        <a:rPr lang="en-US" altLang="zh-CN" dirty="0">
-                          <a:latin typeface="Consolas" panose="020B0609020204030204" pitchFamily="49" charset="0"/>
-                          <a:cs typeface="Calibri" panose="020F0502020204030204" pitchFamily="34" charset="0"/>
-                        </a:rPr>
-                        <a:t>?</a:t>
-                      </a:r>
-                      <a:r>
-                        <a:rPr lang="en-US" altLang="zh-CN" dirty="0" err="1">
-                          <a:latin typeface="Consolas" panose="020B0609020204030204" pitchFamily="49" charset="0"/>
-                          <a:cs typeface="Calibri" panose="020F0502020204030204" pitchFamily="34" charset="0"/>
-                        </a:rPr>
-                        <a:t>make_items</a:t>
-                      </a:r>
-                      <a:r>
-                        <a:rPr lang="en-US" altLang="zh-CN" dirty="0">
-                          <a:latin typeface="Consolas" panose="020B0609020204030204" pitchFamily="49" charset="0"/>
-                          <a:cs typeface="Calibri" panose="020F0502020204030204" pitchFamily="34" charset="0"/>
-                        </a:rPr>
-                        <a:t>()</a:t>
                       </a:r>
                     </a:p>
                     <a:p>
@@ -6227,14 +6357,14 @@
           <p:nvPr>
             <p:extLst>
               <p:ext uri="{D42A27DB-BD31-4B8C-83A1-F6EECF244321}">
-                <p14:modId xmlns:p14="http://schemas.microsoft.com/office/powerpoint/2010/main" val="1682382574"/>
+                <p14:modId xmlns:p14="http://schemas.microsoft.com/office/powerpoint/2010/main" val="2071335244"/>
               </p:ext>
             </p:extLst>
           </p:nvPr>
         </p:nvGraphicFramePr>
         <p:xfrm>
           <a:off x="2032000" y="719666"/>
-          <a:ext cx="8128000" cy="4119880"/>
+          <a:ext cx="8128000" cy="4668520"/>
         </p:xfrm>
         <a:graphic>
           <a:graphicData uri="http://schemas.openxmlformats.org/drawingml/2006/table">
@@ -6586,7 +6716,7 @@
                           <a:latin typeface="Consolas" panose="020B0609020204030204" pitchFamily="49" charset="0"/>
                           <a:cs typeface="Calibri" panose="020F0502020204030204" pitchFamily="34" charset="0"/>
                         </a:rPr>
-                        <a:t>on_save_game</a:t>
+                        <a:t>save_game</a:t>
                       </a:r>
                       <a:r>
                         <a:rPr lang="en-US" altLang="zh-CN" dirty="0">
@@ -6610,7 +6740,7 @@
                           <a:latin typeface="Consolas" panose="020B0609020204030204" pitchFamily="49" charset="0"/>
                           <a:cs typeface="Calibri" panose="020F0502020204030204" pitchFamily="34" charset="0"/>
                         </a:rPr>
-                        <a:t>on_load_game</a:t>
+                        <a:t>load_game</a:t>
                       </a:r>
                       <a:r>
                         <a:rPr lang="en-US" altLang="zh-CN" dirty="0">
@@ -6634,10 +6764,58 @@
                           <a:latin typeface="Consolas" panose="020B0609020204030204" pitchFamily="49" charset="0"/>
                           <a:cs typeface="Calibri" panose="020F0502020204030204" pitchFamily="34" charset="0"/>
                         </a:rPr>
-                        <a:t>update_default_message</a:t>
-                      </a:r>
-                      <a:r>
-                        <a:rPr lang="en-US" altLang="zh-CN">
+                        <a:t>update_textbox_message</a:t>
+                      </a:r>
+                      <a:r>
+                        <a:rPr lang="en-US" altLang="zh-CN" dirty="0">
+                          <a:latin typeface="Consolas" panose="020B0609020204030204" pitchFamily="49" charset="0"/>
+                          <a:cs typeface="Calibri" panose="020F0502020204030204" pitchFamily="34" charset="0"/>
+                        </a:rPr>
+                        <a:t>()</a:t>
+                      </a:r>
+                    </a:p>
+                    <a:p>
+                      <a:pPr algn="ctr"/>
+                      <a:r>
+                        <a:rPr lang="en-US" altLang="zh-CN" dirty="0">
+                          <a:latin typeface="Consolas" panose="020B0609020204030204" pitchFamily="49" charset="0"/>
+                          <a:cs typeface="Calibri" panose="020F0502020204030204" pitchFamily="34" charset="0"/>
+                        </a:rPr>
+                        <a:t>-</a:t>
+                      </a:r>
+                      <a:r>
+                        <a:rPr lang="en-US" altLang="zh-CN" dirty="0" err="1">
+                          <a:latin typeface="Consolas" panose="020B0609020204030204" pitchFamily="49" charset="0"/>
+                          <a:cs typeface="Calibri" panose="020F0502020204030204" pitchFamily="34" charset="0"/>
+                        </a:rPr>
+                        <a:t>update_item_list</a:t>
+                      </a:r>
+                      <a:r>
+                        <a:rPr lang="en-US" altLang="zh-CN" dirty="0">
+                          <a:latin typeface="Consolas" panose="020B0609020204030204" pitchFamily="49" charset="0"/>
+                          <a:cs typeface="Calibri" panose="020F0502020204030204" pitchFamily="34" charset="0"/>
+                        </a:rPr>
+                        <a:t>()</a:t>
+                      </a:r>
+                    </a:p>
+                    <a:p>
+                      <a:pPr algn="ctr"/>
+                      <a:r>
+                        <a:rPr lang="en-US" altLang="zh-CN" dirty="0">
+                          <a:latin typeface="Consolas" panose="020B0609020204030204" pitchFamily="49" charset="0"/>
+                          <a:cs typeface="Calibri" panose="020F0502020204030204" pitchFamily="34" charset="0"/>
+                        </a:rPr>
+                        <a:t>-</a:t>
+                      </a:r>
+                      <a:r>
+                        <a:rPr lang="en-US" altLang="zh-CN" dirty="0" err="1">
+                          <a:latin typeface="Consolas" panose="020B0609020204030204" pitchFamily="49" charset="0"/>
+                          <a:cs typeface="Calibri" panose="020F0502020204030204" pitchFamily="34" charset="0"/>
+                        </a:rPr>
+                        <a:t>update_sidebar</a:t>
+                      </a:r>
+                      <a:r>
+                        <a:rPr lang="en-US" altLang="zh-CN" dirty="0">
                           <a:latin typeface="Consolas" panose="020B0609020204030204" pitchFamily="49" charset="0"/>
                           <a:cs typeface="Calibri" panose="020F0502020204030204" pitchFamily="34" charset="0"/>
                         </a:rPr>
